--- a/2.LAB-CISCO SWITCH configuration.pptx
+++ b/2.LAB-CISCO SWITCH configuration.pptx
@@ -18,6 +18,7 @@
     <p:sldId id="266" r:id="rId12"/>
     <p:sldId id="267" r:id="rId13"/>
     <p:sldId id="268" r:id="rId14"/>
+    <p:sldId id="269" r:id="rId15"/>
   </p:sldIdLst>
   <p:sldSz cx="12192000" cy="6858000"/>
   <p:notesSz cx="7559675" cy="10691813"/>
@@ -118,7 +119,7 @@
   </p:defaultTextStyle>
   <p:extLst>
     <p:ext uri="{EFAFB233-063F-42B5-8137-9DF3F51BA10A}">
-      <p15:sldGuideLst xmlns:p15="http://schemas.microsoft.com/office/powerpoint/2012/main"/>
+      <p15:sldGuideLst xmlns:p15="http://schemas.microsoft.com/office/powerpoint/2012/main" xmlns=""/>
     </p:ext>
   </p:extLst>
 </p:presentation>
@@ -402,6 +403,11 @@
                 </a:uFill>
                 <a:latin typeface="Century Gothic"/>
               </a:rPr>
+              <a:pPr algn="ctr">
+                <a:lnSpc>
+                  <a:spcPct val="100000"/>
+                </a:lnSpc>
+              </a:pPr>
               <a:t>‹#›</a:t>
             </a:fld>
             <a:endParaRPr lang="el-GR" sz="1400" b="0" strike="noStrike" spc="-1">
@@ -421,7 +427,7 @@
     </p:spTree>
     <p:extLst>
       <p:ext uri="{BB962C8B-B14F-4D97-AF65-F5344CB8AC3E}">
-        <p14:creationId xmlns:p14="http://schemas.microsoft.com/office/powerpoint/2010/main" val="2410035382"/>
+        <p14:creationId xmlns:p14="http://schemas.microsoft.com/office/powerpoint/2010/main" xmlns="" val="2410035382"/>
       </p:ext>
     </p:extLst>
   </p:cSld>
@@ -737,6 +743,11 @@
                 </a:uFill>
                 <a:latin typeface="Century Gothic"/>
               </a:rPr>
+              <a:pPr algn="ctr">
+                <a:lnSpc>
+                  <a:spcPct val="100000"/>
+                </a:lnSpc>
+              </a:pPr>
               <a:t>‹#›</a:t>
             </a:fld>
             <a:endParaRPr lang="el-GR" sz="1400" b="0" strike="noStrike" spc="-1">
@@ -756,7 +767,7 @@
     </p:spTree>
     <p:extLst>
       <p:ext uri="{BB962C8B-B14F-4D97-AF65-F5344CB8AC3E}">
-        <p14:creationId xmlns:p14="http://schemas.microsoft.com/office/powerpoint/2010/main" val="792698596"/>
+        <p14:creationId xmlns:p14="http://schemas.microsoft.com/office/powerpoint/2010/main" xmlns="" val="792698596"/>
       </p:ext>
     </p:extLst>
   </p:cSld>
@@ -991,6 +1002,11 @@
                 </a:uFill>
                 <a:latin typeface="Century Gothic"/>
               </a:rPr>
+              <a:pPr algn="ctr">
+                <a:lnSpc>
+                  <a:spcPct val="100000"/>
+                </a:lnSpc>
+              </a:pPr>
               <a:t>‹#›</a:t>
             </a:fld>
             <a:endParaRPr lang="el-GR" sz="1400" b="0" strike="noStrike" spc="-1">
@@ -1010,7 +1026,7 @@
     </p:spTree>
     <p:extLst>
       <p:ext uri="{BB962C8B-B14F-4D97-AF65-F5344CB8AC3E}">
-        <p14:creationId xmlns:p14="http://schemas.microsoft.com/office/powerpoint/2010/main" val="3228778835"/>
+        <p14:creationId xmlns:p14="http://schemas.microsoft.com/office/powerpoint/2010/main" xmlns="" val="3228778835"/>
       </p:ext>
     </p:extLst>
   </p:cSld>
@@ -1324,6 +1340,11 @@
                 </a:uFill>
                 <a:latin typeface="Century Gothic"/>
               </a:rPr>
+              <a:pPr algn="ctr">
+                <a:lnSpc>
+                  <a:spcPct val="100000"/>
+                </a:lnSpc>
+              </a:pPr>
               <a:t>‹#›</a:t>
             </a:fld>
             <a:endParaRPr lang="el-GR" sz="1400" b="0" strike="noStrike" spc="-1">
@@ -1437,7 +1458,7 @@
     </p:spTree>
     <p:extLst>
       <p:ext uri="{BB962C8B-B14F-4D97-AF65-F5344CB8AC3E}">
-        <p14:creationId xmlns:p14="http://schemas.microsoft.com/office/powerpoint/2010/main" val="708582769"/>
+        <p14:creationId xmlns:p14="http://schemas.microsoft.com/office/powerpoint/2010/main" xmlns="" val="708582769"/>
       </p:ext>
     </p:extLst>
   </p:cSld>
@@ -1725,6 +1746,11 @@
                 </a:uFill>
                 <a:latin typeface="Century Gothic"/>
               </a:rPr>
+              <a:pPr algn="ctr">
+                <a:lnSpc>
+                  <a:spcPct val="100000"/>
+                </a:lnSpc>
+              </a:pPr>
               <a:t>‹#›</a:t>
             </a:fld>
             <a:endParaRPr lang="el-GR" sz="1400" b="0" strike="noStrike" spc="-1">
@@ -1744,7 +1770,7 @@
     </p:spTree>
     <p:extLst>
       <p:ext uri="{BB962C8B-B14F-4D97-AF65-F5344CB8AC3E}">
-        <p14:creationId xmlns:p14="http://schemas.microsoft.com/office/powerpoint/2010/main" val="4061677951"/>
+        <p14:creationId xmlns:p14="http://schemas.microsoft.com/office/powerpoint/2010/main" xmlns="" val="4061677951"/>
       </p:ext>
     </p:extLst>
   </p:cSld>
@@ -2408,6 +2434,11 @@
                 </a:uFill>
                 <a:latin typeface="Century Gothic"/>
               </a:rPr>
+              <a:pPr algn="ctr">
+                <a:lnSpc>
+                  <a:spcPct val="100000"/>
+                </a:lnSpc>
+              </a:pPr>
               <a:t>‹#›</a:t>
             </a:fld>
             <a:endParaRPr lang="el-GR" sz="1400" b="0" strike="noStrike" spc="-1">
@@ -2427,7 +2458,7 @@
     </p:spTree>
     <p:extLst>
       <p:ext uri="{BB962C8B-B14F-4D97-AF65-F5344CB8AC3E}">
-        <p14:creationId xmlns:p14="http://schemas.microsoft.com/office/powerpoint/2010/main" val="1773837931"/>
+        <p14:creationId xmlns:p14="http://schemas.microsoft.com/office/powerpoint/2010/main" xmlns="" val="1773837931"/>
       </p:ext>
     </p:extLst>
   </p:cSld>
@@ -3328,6 +3359,11 @@
                 </a:uFill>
                 <a:latin typeface="Century Gothic"/>
               </a:rPr>
+              <a:pPr algn="ctr">
+                <a:lnSpc>
+                  <a:spcPct val="100000"/>
+                </a:lnSpc>
+              </a:pPr>
               <a:t>‹#›</a:t>
             </a:fld>
             <a:endParaRPr lang="el-GR" sz="1400" b="0" strike="noStrike" spc="-1">
@@ -3347,7 +3383,7 @@
     </p:spTree>
     <p:extLst>
       <p:ext uri="{BB962C8B-B14F-4D97-AF65-F5344CB8AC3E}">
-        <p14:creationId xmlns:p14="http://schemas.microsoft.com/office/powerpoint/2010/main" val="2231623865"/>
+        <p14:creationId xmlns:p14="http://schemas.microsoft.com/office/powerpoint/2010/main" xmlns="" val="2231623865"/>
       </p:ext>
     </p:extLst>
   </p:cSld>
@@ -3558,6 +3594,11 @@
                 </a:uFill>
                 <a:latin typeface="Century Gothic"/>
               </a:rPr>
+              <a:pPr algn="ctr">
+                <a:lnSpc>
+                  <a:spcPct val="100000"/>
+                </a:lnSpc>
+              </a:pPr>
               <a:t>‹#›</a:t>
             </a:fld>
             <a:endParaRPr lang="el-GR" sz="1400" b="0" strike="noStrike" spc="-1">
@@ -3577,7 +3618,7 @@
     </p:spTree>
     <p:extLst>
       <p:ext uri="{BB962C8B-B14F-4D97-AF65-F5344CB8AC3E}">
-        <p14:creationId xmlns:p14="http://schemas.microsoft.com/office/powerpoint/2010/main" val="816238809"/>
+        <p14:creationId xmlns:p14="http://schemas.microsoft.com/office/powerpoint/2010/main" xmlns="" val="816238809"/>
       </p:ext>
     </p:extLst>
   </p:cSld>
@@ -3798,6 +3839,11 @@
                 </a:uFill>
                 <a:latin typeface="Century Gothic"/>
               </a:rPr>
+              <a:pPr algn="ctr">
+                <a:lnSpc>
+                  <a:spcPct val="100000"/>
+                </a:lnSpc>
+              </a:pPr>
               <a:t>‹#›</a:t>
             </a:fld>
             <a:endParaRPr lang="el-GR" sz="1400" b="0" strike="noStrike" spc="-1">
@@ -3817,7 +3863,7 @@
     </p:spTree>
     <p:extLst>
       <p:ext uri="{BB962C8B-B14F-4D97-AF65-F5344CB8AC3E}">
-        <p14:creationId xmlns:p14="http://schemas.microsoft.com/office/powerpoint/2010/main" val="2675150555"/>
+        <p14:creationId xmlns:p14="http://schemas.microsoft.com/office/powerpoint/2010/main" xmlns="" val="2675150555"/>
       </p:ext>
     </p:extLst>
   </p:cSld>
@@ -3921,7 +3967,7 @@
     </p:spTree>
     <p:extLst>
       <p:ext uri="{BB962C8B-B14F-4D97-AF65-F5344CB8AC3E}">
-        <p14:creationId xmlns:p14="http://schemas.microsoft.com/office/powerpoint/2010/main" val="4006325536"/>
+        <p14:creationId xmlns:p14="http://schemas.microsoft.com/office/powerpoint/2010/main" xmlns="" val="4006325536"/>
       </p:ext>
     </p:extLst>
   </p:cSld>
@@ -4132,6 +4178,11 @@
                 </a:uFill>
                 <a:latin typeface="Century Gothic"/>
               </a:rPr>
+              <a:pPr algn="ctr">
+                <a:lnSpc>
+                  <a:spcPct val="100000"/>
+                </a:lnSpc>
+              </a:pPr>
               <a:t>‹#›</a:t>
             </a:fld>
             <a:endParaRPr lang="el-GR" sz="1400" b="0" strike="noStrike" spc="-1">
@@ -4151,7 +4202,7 @@
     </p:spTree>
     <p:extLst>
       <p:ext uri="{BB962C8B-B14F-4D97-AF65-F5344CB8AC3E}">
-        <p14:creationId xmlns:p14="http://schemas.microsoft.com/office/powerpoint/2010/main" val="1647118839"/>
+        <p14:creationId xmlns:p14="http://schemas.microsoft.com/office/powerpoint/2010/main" xmlns="" val="1647118839"/>
       </p:ext>
     </p:extLst>
   </p:cSld>
@@ -4439,6 +4490,11 @@
                 </a:uFill>
                 <a:latin typeface="Century Gothic"/>
               </a:rPr>
+              <a:pPr algn="ctr">
+                <a:lnSpc>
+                  <a:spcPct val="100000"/>
+                </a:lnSpc>
+              </a:pPr>
               <a:t>‹#›</a:t>
             </a:fld>
             <a:endParaRPr lang="el-GR" sz="1400" b="0" strike="noStrike" spc="-1">
@@ -4458,7 +4514,7 @@
     </p:spTree>
     <p:extLst>
       <p:ext uri="{BB962C8B-B14F-4D97-AF65-F5344CB8AC3E}">
-        <p14:creationId xmlns:p14="http://schemas.microsoft.com/office/powerpoint/2010/main" val="4158952161"/>
+        <p14:creationId xmlns:p14="http://schemas.microsoft.com/office/powerpoint/2010/main" xmlns="" val="4158952161"/>
       </p:ext>
     </p:extLst>
   </p:cSld>
@@ -4791,6 +4847,11 @@
                 </a:uFill>
                 <a:latin typeface="Century Gothic"/>
               </a:rPr>
+              <a:pPr algn="ctr">
+                <a:lnSpc>
+                  <a:spcPct val="100000"/>
+                </a:lnSpc>
+              </a:pPr>
               <a:t>‹#›</a:t>
             </a:fld>
             <a:endParaRPr lang="el-GR" sz="1400" b="0" strike="noStrike" spc="-1">
@@ -4810,7 +4871,7 @@
     </p:spTree>
     <p:extLst>
       <p:ext uri="{BB962C8B-B14F-4D97-AF65-F5344CB8AC3E}">
-        <p14:creationId xmlns:p14="http://schemas.microsoft.com/office/powerpoint/2010/main" val="1340408922"/>
+        <p14:creationId xmlns:p14="http://schemas.microsoft.com/office/powerpoint/2010/main" xmlns="" val="1340408922"/>
       </p:ext>
     </p:extLst>
   </p:cSld>
@@ -5295,6 +5356,11 @@
                 </a:uFill>
                 <a:latin typeface="Century Gothic"/>
               </a:rPr>
+              <a:pPr algn="ctr">
+                <a:lnSpc>
+                  <a:spcPct val="100000"/>
+                </a:lnSpc>
+              </a:pPr>
               <a:t>‹#›</a:t>
             </a:fld>
             <a:endParaRPr lang="el-GR" sz="1400" b="0" strike="noStrike" spc="-1">
@@ -5314,7 +5380,7 @@
     </p:spTree>
     <p:extLst>
       <p:ext uri="{BB962C8B-B14F-4D97-AF65-F5344CB8AC3E}">
-        <p14:creationId xmlns:p14="http://schemas.microsoft.com/office/powerpoint/2010/main" val="3963189091"/>
+        <p14:creationId xmlns:p14="http://schemas.microsoft.com/office/powerpoint/2010/main" xmlns="" val="3963189091"/>
       </p:ext>
     </p:extLst>
   </p:cSld>
@@ -5473,6 +5539,11 @@
                 </a:uFill>
                 <a:latin typeface="Century Gothic"/>
               </a:rPr>
+              <a:pPr algn="ctr">
+                <a:lnSpc>
+                  <a:spcPct val="100000"/>
+                </a:lnSpc>
+              </a:pPr>
               <a:t>‹#›</a:t>
             </a:fld>
             <a:endParaRPr lang="el-GR" sz="1400" b="0" strike="noStrike" spc="-1">
@@ -5492,7 +5563,7 @@
     </p:spTree>
     <p:extLst>
       <p:ext uri="{BB962C8B-B14F-4D97-AF65-F5344CB8AC3E}">
-        <p14:creationId xmlns:p14="http://schemas.microsoft.com/office/powerpoint/2010/main" val="1451503622"/>
+        <p14:creationId xmlns:p14="http://schemas.microsoft.com/office/powerpoint/2010/main" xmlns="" val="1451503622"/>
       </p:ext>
     </p:extLst>
   </p:cSld>
@@ -5628,6 +5699,11 @@
                 </a:uFill>
                 <a:latin typeface="Century Gothic"/>
               </a:rPr>
+              <a:pPr algn="ctr">
+                <a:lnSpc>
+                  <a:spcPct val="100000"/>
+                </a:lnSpc>
+              </a:pPr>
               <a:t>‹#›</a:t>
             </a:fld>
             <a:endParaRPr lang="el-GR" sz="1400" b="0" strike="noStrike" spc="-1">
@@ -5647,7 +5723,7 @@
     </p:spTree>
     <p:extLst>
       <p:ext uri="{BB962C8B-B14F-4D97-AF65-F5344CB8AC3E}">
-        <p14:creationId xmlns:p14="http://schemas.microsoft.com/office/powerpoint/2010/main" val="1796340109"/>
+        <p14:creationId xmlns:p14="http://schemas.microsoft.com/office/powerpoint/2010/main" xmlns="" val="1796340109"/>
       </p:ext>
     </p:extLst>
   </p:cSld>
@@ -5967,6 +6043,11 @@
                 </a:uFill>
                 <a:latin typeface="Century Gothic"/>
               </a:rPr>
+              <a:pPr algn="ctr">
+                <a:lnSpc>
+                  <a:spcPct val="100000"/>
+                </a:lnSpc>
+              </a:pPr>
               <a:t>‹#›</a:t>
             </a:fld>
             <a:endParaRPr lang="el-GR" sz="1400" b="0" strike="noStrike" spc="-1">
@@ -5986,7 +6067,7 @@
     </p:spTree>
     <p:extLst>
       <p:ext uri="{BB962C8B-B14F-4D97-AF65-F5344CB8AC3E}">
-        <p14:creationId xmlns:p14="http://schemas.microsoft.com/office/powerpoint/2010/main" val="2185165827"/>
+        <p14:creationId xmlns:p14="http://schemas.microsoft.com/office/powerpoint/2010/main" xmlns="" val="2185165827"/>
       </p:ext>
     </p:extLst>
   </p:cSld>
@@ -6302,6 +6383,11 @@
                 </a:uFill>
                 <a:latin typeface="Century Gothic"/>
               </a:rPr>
+              <a:pPr algn="ctr">
+                <a:lnSpc>
+                  <a:spcPct val="100000"/>
+                </a:lnSpc>
+              </a:pPr>
               <a:t>‹#›</a:t>
             </a:fld>
             <a:endParaRPr lang="el-GR" sz="1400" b="0" strike="noStrike" spc="-1">
@@ -6321,7 +6407,7 @@
     </p:spTree>
     <p:extLst>
       <p:ext uri="{BB962C8B-B14F-4D97-AF65-F5344CB8AC3E}">
-        <p14:creationId xmlns:p14="http://schemas.microsoft.com/office/powerpoint/2010/main" val="4147003898"/>
+        <p14:creationId xmlns:p14="http://schemas.microsoft.com/office/powerpoint/2010/main" xmlns="" val="4147003898"/>
       </p:ext>
     </p:extLst>
   </p:cSld>
@@ -6365,7 +6451,7 @@
           <a:blip r:embed="rId20">
             <a:extLst>
               <a:ext uri="{28A0092B-C50C-407E-A947-70E740481C1C}">
-                <a14:useLocalDpi xmlns:a14="http://schemas.microsoft.com/office/drawing/2010/main" val="0"/>
+                <a14:useLocalDpi xmlns:a14="http://schemas.microsoft.com/office/drawing/2010/main" xmlns="" val="0"/>
               </a:ext>
             </a:extLst>
           </a:blip>
@@ -6394,7 +6480,7 @@
           <a:blip r:embed="rId21">
             <a:extLst>
               <a:ext uri="{28A0092B-C50C-407E-A947-70E740481C1C}">
-                <a14:useLocalDpi xmlns:a14="http://schemas.microsoft.com/office/drawing/2010/main" val="0"/>
+                <a14:useLocalDpi xmlns:a14="http://schemas.microsoft.com/office/drawing/2010/main" xmlns="" val="0"/>
               </a:ext>
             </a:extLst>
           </a:blip>
@@ -6486,7 +6572,7 @@
           <a:blip r:embed="rId22">
             <a:extLst>
               <a:ext uri="{28A0092B-C50C-407E-A947-70E740481C1C}">
-                <a14:useLocalDpi xmlns:a14="http://schemas.microsoft.com/office/drawing/2010/main" val="0"/>
+                <a14:useLocalDpi xmlns:a14="http://schemas.microsoft.com/office/drawing/2010/main" xmlns="" val="0"/>
               </a:ext>
             </a:extLst>
           </a:blip>
@@ -6515,7 +6601,7 @@
           <a:blip r:embed="rId23">
             <a:extLst>
               <a:ext uri="{28A0092B-C50C-407E-A947-70E740481C1C}">
-                <a14:useLocalDpi xmlns:a14="http://schemas.microsoft.com/office/drawing/2010/main" val="0"/>
+                <a14:useLocalDpi xmlns:a14="http://schemas.microsoft.com/office/drawing/2010/main" xmlns="" val="0"/>
               </a:ext>
             </a:extLst>
           </a:blip>
@@ -6699,7 +6785,8 @@
           <a:p>
             <a:fld id="{4AAD347D-5ACD-4C99-B74B-A9C85AD731AF}" type="datetimeFigureOut">
               <a:rPr lang="en-US" dirty="0"/>
-              <a:t>11/9/2018</a:t>
+              <a:pPr/>
+              <a:t>11/19/2018</a:t>
             </a:fld>
             <a:endParaRPr lang="en-US" dirty="0"/>
           </a:p>
@@ -6778,6 +6865,7 @@
           <a:p>
             <a:fld id="{D57F1E4F-1CFF-5643-939E-02111984F565}" type="slidenum">
               <a:rPr lang="en-US" dirty="0"/>
+              <a:pPr/>
               <a:t>‹#›</a:t>
             </a:fld>
             <a:endParaRPr lang="en-US" dirty="0"/>
@@ -6787,7 +6875,7 @@
     </p:spTree>
     <p:extLst>
       <p:ext uri="{BB962C8B-B14F-4D97-AF65-F5344CB8AC3E}">
-        <p14:creationId xmlns:p14="http://schemas.microsoft.com/office/powerpoint/2010/main" val="441384867"/>
+        <p14:creationId xmlns:p14="http://schemas.microsoft.com/office/powerpoint/2010/main" xmlns="" val="441384867"/>
       </p:ext>
     </p:extLst>
   </p:cSld>
@@ -7422,7 +7510,49 @@
                 </a:uFill>
                 <a:latin typeface="Century Gothic"/>
               </a:rPr>
-              <a:t>ΣΓΟΣ (ΕΠ) ΣΤΕΡΓΙΑΝΝΗς ΕΥΡΙΠΙΔΗΣ</a:t>
+              <a:t>ΣΓΟΣ (ΕΠ</a:t>
+            </a:r>
+            <a:r>
+              <a:rPr lang="el-GR" sz="2000" b="0" strike="noStrike" cap="all" spc="-1">
+                <a:solidFill>
+                  <a:srgbClr val="8AD0D6"/>
+                </a:solidFill>
+                <a:uFill>
+                  <a:solidFill>
+                    <a:srgbClr val="FFFFFF"/>
+                  </a:solidFill>
+                </a:uFill>
+                <a:latin typeface="Century Gothic"/>
+              </a:rPr>
+              <a:t>) </a:t>
+            </a:r>
+            <a:r>
+              <a:rPr lang="el-GR" sz="2000" b="0" strike="noStrike" cap="all" spc="-1" smtClean="0">
+                <a:solidFill>
+                  <a:srgbClr val="8AD0D6"/>
+                </a:solidFill>
+                <a:uFill>
+                  <a:solidFill>
+                    <a:srgbClr val="FFFFFF"/>
+                  </a:solidFill>
+                </a:uFill>
+                <a:latin typeface="Century Gothic"/>
+              </a:rPr>
+              <a:t>ΣΤΕΡΓΙΑΝΝΗΣ </a:t>
+            </a:r>
+            <a:r>
+              <a:rPr lang="el-GR" sz="2000" b="0" strike="noStrike" cap="all" spc="-1" dirty="0">
+                <a:solidFill>
+                  <a:srgbClr val="8AD0D6"/>
+                </a:solidFill>
+                <a:uFill>
+                  <a:solidFill>
+                    <a:srgbClr val="FFFFFF"/>
+                  </a:solidFill>
+                </a:uFill>
+                <a:latin typeface="Century Gothic"/>
+              </a:rPr>
+              <a:t>ΕΥΡΙΠΙΔΗΣ</a:t>
             </a:r>
             <a:endParaRPr lang="el-GR" sz="1800" b="0" strike="noStrike" spc="-1" dirty="0">
               <a:solidFill>
@@ -7916,20 +8046,76 @@
               <a:buChar char=""/>
             </a:pPr>
             <a:r>
-              <a:rPr lang="el-GR" sz="2400" b="1" strike="noStrike" spc="-1">
-                <a:solidFill>
-                  <a:srgbClr val="FFFFFF"/>
-                </a:solidFill>
-                <a:uFill>
-                  <a:solidFill>
-                    <a:srgbClr val="FFFFFF"/>
-                  </a:solidFill>
-                </a:uFill>
-                <a:latin typeface="Century Gothic"/>
-              </a:rPr>
-              <a:t>Encrypt all passwords</a:t>
-            </a:r>
-            <a:endParaRPr lang="el-GR" sz="1800" b="0" strike="noStrike" spc="-1">
+              <a:rPr lang="el-GR" sz="2400" b="1" strike="noStrike" spc="-1" dirty="0" err="1">
+                <a:solidFill>
+                  <a:srgbClr val="FFFFFF"/>
+                </a:solidFill>
+                <a:uFill>
+                  <a:solidFill>
+                    <a:srgbClr val="FFFFFF"/>
+                  </a:solidFill>
+                </a:uFill>
+                <a:latin typeface="Century Gothic"/>
+              </a:rPr>
+              <a:t>Encrypt</a:t>
+            </a:r>
+            <a:r>
+              <a:rPr lang="el-GR" sz="2400" b="1" strike="noStrike" spc="-1" dirty="0">
+                <a:solidFill>
+                  <a:srgbClr val="FFFFFF"/>
+                </a:solidFill>
+                <a:uFill>
+                  <a:solidFill>
+                    <a:srgbClr val="FFFFFF"/>
+                  </a:solidFill>
+                </a:uFill>
+                <a:latin typeface="Century Gothic"/>
+              </a:rPr>
+              <a:t> </a:t>
+            </a:r>
+            <a:r>
+              <a:rPr lang="el-GR" sz="2400" b="1" strike="noStrike" spc="-1" dirty="0" err="1">
+                <a:solidFill>
+                  <a:srgbClr val="FFFFFF"/>
+                </a:solidFill>
+                <a:uFill>
+                  <a:solidFill>
+                    <a:srgbClr val="FFFFFF"/>
+                  </a:solidFill>
+                </a:uFill>
+                <a:latin typeface="Century Gothic"/>
+              </a:rPr>
+              <a:t>all</a:t>
+            </a:r>
+            <a:r>
+              <a:rPr lang="el-GR" sz="2400" b="1" strike="noStrike" spc="-1" dirty="0">
+                <a:solidFill>
+                  <a:srgbClr val="FFFFFF"/>
+                </a:solidFill>
+                <a:uFill>
+                  <a:solidFill>
+                    <a:srgbClr val="FFFFFF"/>
+                  </a:solidFill>
+                </a:uFill>
+                <a:latin typeface="Century Gothic"/>
+              </a:rPr>
+              <a:t> </a:t>
+            </a:r>
+            <a:r>
+              <a:rPr lang="el-GR" sz="2400" b="1" strike="noStrike" spc="-1" dirty="0" err="1">
+                <a:solidFill>
+                  <a:srgbClr val="FFFFFF"/>
+                </a:solidFill>
+                <a:uFill>
+                  <a:solidFill>
+                    <a:srgbClr val="FFFFFF"/>
+                  </a:solidFill>
+                </a:uFill>
+                <a:latin typeface="Century Gothic"/>
+              </a:rPr>
+              <a:t>passwords</a:t>
+            </a:r>
+            <a:endParaRPr lang="el-GR" sz="1800" b="0" strike="noStrike" spc="-1" dirty="0">
               <a:solidFill>
                 <a:srgbClr val="000000"/>
               </a:solidFill>
@@ -7954,20 +8140,90 @@
               <a:buChar char=""/>
             </a:pPr>
             <a:r>
-              <a:rPr lang="el-GR" sz="2400" b="0" strike="noStrike" spc="-1">
-                <a:solidFill>
-                  <a:srgbClr val="FFFFFF"/>
-                </a:solidFill>
-                <a:uFill>
-                  <a:solidFill>
-                    <a:srgbClr val="FFFFFF"/>
-                  </a:solidFill>
-                </a:uFill>
-                <a:latin typeface="Century Gothic"/>
-              </a:rPr>
-              <a:t>Sw-Floor-1(config)# service password-encryption</a:t>
-            </a:r>
-            <a:endParaRPr lang="el-GR" sz="1800" b="0" strike="noStrike" spc="-1">
+              <a:rPr lang="el-GR" sz="2400" b="0" strike="noStrike" spc="-1" dirty="0">
+                <a:solidFill>
+                  <a:srgbClr val="FFFFFF"/>
+                </a:solidFill>
+                <a:uFill>
+                  <a:solidFill>
+                    <a:srgbClr val="FFFFFF"/>
+                  </a:solidFill>
+                </a:uFill>
+                <a:latin typeface="Century Gothic"/>
+              </a:rPr>
+              <a:t>Sw-Floor-1(</a:t>
+            </a:r>
+            <a:r>
+              <a:rPr lang="el-GR" sz="2400" b="0" strike="noStrike" spc="-1" dirty="0" err="1">
+                <a:solidFill>
+                  <a:srgbClr val="FFFFFF"/>
+                </a:solidFill>
+                <a:uFill>
+                  <a:solidFill>
+                    <a:srgbClr val="FFFFFF"/>
+                  </a:solidFill>
+                </a:uFill>
+                <a:latin typeface="Century Gothic"/>
+              </a:rPr>
+              <a:t>config</a:t>
+            </a:r>
+            <a:r>
+              <a:rPr lang="el-GR" sz="2400" b="0" strike="noStrike" spc="-1" dirty="0">
+                <a:solidFill>
+                  <a:srgbClr val="FFFFFF"/>
+                </a:solidFill>
+                <a:uFill>
+                  <a:solidFill>
+                    <a:srgbClr val="FFFFFF"/>
+                  </a:solidFill>
+                </a:uFill>
+                <a:latin typeface="Century Gothic"/>
+              </a:rPr>
+              <a:t>)# </a:t>
+            </a:r>
+            <a:r>
+              <a:rPr lang="el-GR" sz="2400" b="0" strike="noStrike" spc="-1" dirty="0" err="1">
+                <a:solidFill>
+                  <a:srgbClr val="FFFFFF"/>
+                </a:solidFill>
+                <a:uFill>
+                  <a:solidFill>
+                    <a:srgbClr val="FFFFFF"/>
+                  </a:solidFill>
+                </a:uFill>
+                <a:latin typeface="Century Gothic"/>
+              </a:rPr>
+              <a:t>service</a:t>
+            </a:r>
+            <a:r>
+              <a:rPr lang="el-GR" sz="2400" b="0" strike="noStrike" spc="-1" dirty="0">
+                <a:solidFill>
+                  <a:srgbClr val="FFFFFF"/>
+                </a:solidFill>
+                <a:uFill>
+                  <a:solidFill>
+                    <a:srgbClr val="FFFFFF"/>
+                  </a:solidFill>
+                </a:uFill>
+                <a:latin typeface="Century Gothic"/>
+              </a:rPr>
+              <a:t> </a:t>
+            </a:r>
+            <a:r>
+              <a:rPr lang="el-GR" sz="2400" b="0" strike="noStrike" spc="-1" dirty="0" err="1">
+                <a:solidFill>
+                  <a:srgbClr val="FFFFFF"/>
+                </a:solidFill>
+                <a:uFill>
+                  <a:solidFill>
+                    <a:srgbClr val="FFFFFF"/>
+                  </a:solidFill>
+                </a:uFill>
+                <a:latin typeface="Century Gothic"/>
+              </a:rPr>
+              <a:t>password-encryption</a:t>
+            </a:r>
+            <a:endParaRPr lang="el-GR" sz="1800" b="0" strike="noStrike" spc="-1" dirty="0">
               <a:solidFill>
                 <a:srgbClr val="000000"/>
               </a:solidFill>
@@ -7992,20 +8248,146 @@
               <a:buChar char=""/>
             </a:pPr>
             <a:r>
-              <a:rPr lang="el-GR" sz="2400" b="1" strike="noStrike" spc="-1">
-                <a:solidFill>
-                  <a:srgbClr val="FFFFFF"/>
-                </a:solidFill>
-                <a:uFill>
-                  <a:solidFill>
-                    <a:srgbClr val="FFFFFF"/>
-                  </a:solidFill>
-                </a:uFill>
-                <a:latin typeface="Century Gothic"/>
-              </a:rPr>
-              <a:t>Secure the privileged EXEC access with the password. Cla55.</a:t>
-            </a:r>
-            <a:endParaRPr lang="el-GR" sz="1800" b="0" strike="noStrike" spc="-1">
+              <a:rPr lang="el-GR" sz="2400" b="1" strike="noStrike" spc="-1" dirty="0" err="1">
+                <a:solidFill>
+                  <a:srgbClr val="FFFFFF"/>
+                </a:solidFill>
+                <a:uFill>
+                  <a:solidFill>
+                    <a:srgbClr val="FFFFFF"/>
+                  </a:solidFill>
+                </a:uFill>
+                <a:latin typeface="Century Gothic"/>
+              </a:rPr>
+              <a:t>Secure</a:t>
+            </a:r>
+            <a:r>
+              <a:rPr lang="el-GR" sz="2400" b="1" strike="noStrike" spc="-1" dirty="0">
+                <a:solidFill>
+                  <a:srgbClr val="FFFFFF"/>
+                </a:solidFill>
+                <a:uFill>
+                  <a:solidFill>
+                    <a:srgbClr val="FFFFFF"/>
+                  </a:solidFill>
+                </a:uFill>
+                <a:latin typeface="Century Gothic"/>
+              </a:rPr>
+              <a:t> the </a:t>
+            </a:r>
+            <a:r>
+              <a:rPr lang="el-GR" sz="2400" b="1" strike="noStrike" spc="-1" dirty="0" err="1">
+                <a:solidFill>
+                  <a:srgbClr val="FFFFFF"/>
+                </a:solidFill>
+                <a:uFill>
+                  <a:solidFill>
+                    <a:srgbClr val="FFFFFF"/>
+                  </a:solidFill>
+                </a:uFill>
+                <a:latin typeface="Century Gothic"/>
+              </a:rPr>
+              <a:t>privileged</a:t>
+            </a:r>
+            <a:r>
+              <a:rPr lang="el-GR" sz="2400" b="1" strike="noStrike" spc="-1" dirty="0">
+                <a:solidFill>
+                  <a:srgbClr val="FFFFFF"/>
+                </a:solidFill>
+                <a:uFill>
+                  <a:solidFill>
+                    <a:srgbClr val="FFFFFF"/>
+                  </a:solidFill>
+                </a:uFill>
+                <a:latin typeface="Century Gothic"/>
+              </a:rPr>
+              <a:t> EXEC </a:t>
+            </a:r>
+            <a:r>
+              <a:rPr lang="el-GR" sz="2400" b="1" strike="noStrike" spc="-1" dirty="0" err="1">
+                <a:solidFill>
+                  <a:srgbClr val="FFFFFF"/>
+                </a:solidFill>
+                <a:uFill>
+                  <a:solidFill>
+                    <a:srgbClr val="FFFFFF"/>
+                  </a:solidFill>
+                </a:uFill>
+                <a:latin typeface="Century Gothic"/>
+              </a:rPr>
+              <a:t>access</a:t>
+            </a:r>
+            <a:r>
+              <a:rPr lang="el-GR" sz="2400" b="1" strike="noStrike" spc="-1" dirty="0">
+                <a:solidFill>
+                  <a:srgbClr val="FFFFFF"/>
+                </a:solidFill>
+                <a:uFill>
+                  <a:solidFill>
+                    <a:srgbClr val="FFFFFF"/>
+                  </a:solidFill>
+                </a:uFill>
+                <a:latin typeface="Century Gothic"/>
+              </a:rPr>
+              <a:t> </a:t>
+            </a:r>
+            <a:r>
+              <a:rPr lang="el-GR" sz="2400" b="1" strike="noStrike" spc="-1" dirty="0" err="1">
+                <a:solidFill>
+                  <a:srgbClr val="FFFFFF"/>
+                </a:solidFill>
+                <a:uFill>
+                  <a:solidFill>
+                    <a:srgbClr val="FFFFFF"/>
+                  </a:solidFill>
+                </a:uFill>
+                <a:latin typeface="Century Gothic"/>
+              </a:rPr>
+              <a:t>with</a:t>
+            </a:r>
+            <a:r>
+              <a:rPr lang="el-GR" sz="2400" b="1" strike="noStrike" spc="-1" dirty="0">
+                <a:solidFill>
+                  <a:srgbClr val="FFFFFF"/>
+                </a:solidFill>
+                <a:uFill>
+                  <a:solidFill>
+                    <a:srgbClr val="FFFFFF"/>
+                  </a:solidFill>
+                </a:uFill>
+                <a:latin typeface="Century Gothic"/>
+              </a:rPr>
+              <a:t> the </a:t>
+            </a:r>
+            <a:r>
+              <a:rPr lang="el-GR" sz="2400" b="1" strike="noStrike" spc="-1" dirty="0" err="1">
+                <a:solidFill>
+                  <a:srgbClr val="FFFFFF"/>
+                </a:solidFill>
+                <a:uFill>
+                  <a:solidFill>
+                    <a:srgbClr val="FFFFFF"/>
+                  </a:solidFill>
+                </a:uFill>
+                <a:latin typeface="Century Gothic"/>
+              </a:rPr>
+              <a:t>password</a:t>
+            </a:r>
+            <a:r>
+              <a:rPr lang="el-GR" sz="2400" b="1" strike="noStrike" spc="-1" dirty="0">
+                <a:solidFill>
+                  <a:srgbClr val="FFFFFF"/>
+                </a:solidFill>
+                <a:uFill>
+                  <a:solidFill>
+                    <a:srgbClr val="FFFFFF"/>
+                  </a:solidFill>
+                </a:uFill>
+                <a:latin typeface="Century Gothic"/>
+              </a:rPr>
+              <a:t>. Cla55.</a:t>
+            </a:r>
+            <a:endParaRPr lang="el-GR" sz="1800" b="0" strike="noStrike" spc="-1" dirty="0">
               <a:solidFill>
                 <a:srgbClr val="000000"/>
               </a:solidFill>
@@ -8030,20 +8412,104 @@
               <a:buChar char=""/>
             </a:pPr>
             <a:r>
-              <a:rPr lang="el-GR" sz="2400" b="0" strike="noStrike" spc="-1">
-                <a:solidFill>
-                  <a:srgbClr val="FFFFFF"/>
-                </a:solidFill>
-                <a:uFill>
-                  <a:solidFill>
-                    <a:srgbClr val="FFFFFF"/>
-                  </a:solidFill>
-                </a:uFill>
-                <a:latin typeface="Century Gothic"/>
-              </a:rPr>
-              <a:t>Sw-Floor-1(config)# enable secret Cla55</a:t>
-            </a:r>
-            <a:endParaRPr lang="el-GR" sz="1800" b="0" strike="noStrike" spc="-1">
+              <a:rPr lang="el-GR" sz="2400" b="0" strike="noStrike" spc="-1" dirty="0">
+                <a:solidFill>
+                  <a:srgbClr val="FFFFFF"/>
+                </a:solidFill>
+                <a:uFill>
+                  <a:solidFill>
+                    <a:srgbClr val="FFFFFF"/>
+                  </a:solidFill>
+                </a:uFill>
+                <a:latin typeface="Century Gothic"/>
+              </a:rPr>
+              <a:t>Sw-Floor-1(</a:t>
+            </a:r>
+            <a:r>
+              <a:rPr lang="el-GR" sz="2400" b="0" strike="noStrike" spc="-1" dirty="0" err="1">
+                <a:solidFill>
+                  <a:srgbClr val="FFFFFF"/>
+                </a:solidFill>
+                <a:uFill>
+                  <a:solidFill>
+                    <a:srgbClr val="FFFFFF"/>
+                  </a:solidFill>
+                </a:uFill>
+                <a:latin typeface="Century Gothic"/>
+              </a:rPr>
+              <a:t>config</a:t>
+            </a:r>
+            <a:r>
+              <a:rPr lang="el-GR" sz="2400" b="0" strike="noStrike" spc="-1" dirty="0">
+                <a:solidFill>
+                  <a:srgbClr val="FFFFFF"/>
+                </a:solidFill>
+                <a:uFill>
+                  <a:solidFill>
+                    <a:srgbClr val="FFFFFF"/>
+                  </a:solidFill>
+                </a:uFill>
+                <a:latin typeface="Century Gothic"/>
+              </a:rPr>
+              <a:t>)# </a:t>
+            </a:r>
+            <a:r>
+              <a:rPr lang="el-GR" sz="2400" b="0" strike="noStrike" spc="-1" dirty="0" err="1">
+                <a:solidFill>
+                  <a:srgbClr val="FFFFFF"/>
+                </a:solidFill>
+                <a:uFill>
+                  <a:solidFill>
+                    <a:srgbClr val="FFFFFF"/>
+                  </a:solidFill>
+                </a:uFill>
+                <a:latin typeface="Century Gothic"/>
+              </a:rPr>
+              <a:t>enable</a:t>
+            </a:r>
+            <a:r>
+              <a:rPr lang="el-GR" sz="2400" b="0" strike="noStrike" spc="-1" dirty="0">
+                <a:solidFill>
+                  <a:srgbClr val="FFFFFF"/>
+                </a:solidFill>
+                <a:uFill>
+                  <a:solidFill>
+                    <a:srgbClr val="FFFFFF"/>
+                  </a:solidFill>
+                </a:uFill>
+                <a:latin typeface="Century Gothic"/>
+              </a:rPr>
+              <a:t> </a:t>
+            </a:r>
+            <a:r>
+              <a:rPr lang="el-GR" sz="2400" b="0" strike="noStrike" spc="-1" dirty="0" err="1">
+                <a:solidFill>
+                  <a:srgbClr val="FFFFFF"/>
+                </a:solidFill>
+                <a:uFill>
+                  <a:solidFill>
+                    <a:srgbClr val="FFFFFF"/>
+                  </a:solidFill>
+                </a:uFill>
+                <a:latin typeface="Century Gothic"/>
+              </a:rPr>
+              <a:t>secret</a:t>
+            </a:r>
+            <a:r>
+              <a:rPr lang="el-GR" sz="2400" b="0" strike="noStrike" spc="-1" dirty="0">
+                <a:solidFill>
+                  <a:srgbClr val="FFFFFF"/>
+                </a:solidFill>
+                <a:uFill>
+                  <a:solidFill>
+                    <a:srgbClr val="FFFFFF"/>
+                  </a:solidFill>
+                </a:uFill>
+                <a:latin typeface="Century Gothic"/>
+              </a:rPr>
+              <a:t> Cla55</a:t>
+            </a:r>
+            <a:endParaRPr lang="el-GR" sz="1800" b="0" strike="noStrike" spc="-1" dirty="0">
               <a:solidFill>
                 <a:srgbClr val="000000"/>
               </a:solidFill>
@@ -8068,20 +8534,146 @@
               <a:buChar char=""/>
             </a:pPr>
             <a:r>
-              <a:rPr lang="el-GR" sz="2400" b="1" strike="noStrike" spc="-1">
-                <a:solidFill>
-                  <a:srgbClr val="FFFFFF"/>
-                </a:solidFill>
-                <a:uFill>
-                  <a:solidFill>
-                    <a:srgbClr val="FFFFFF"/>
-                  </a:solidFill>
-                </a:uFill>
-                <a:latin typeface="Century Gothic"/>
-              </a:rPr>
-              <a:t>Secure the console line.Use the password Cisc0.Allow login.</a:t>
-            </a:r>
-            <a:endParaRPr lang="el-GR" sz="1800" b="0" strike="noStrike" spc="-1">
+              <a:rPr lang="el-GR" sz="2400" b="1" strike="noStrike" spc="-1" dirty="0" err="1">
+                <a:solidFill>
+                  <a:srgbClr val="FFFFFF"/>
+                </a:solidFill>
+                <a:uFill>
+                  <a:solidFill>
+                    <a:srgbClr val="FFFFFF"/>
+                  </a:solidFill>
+                </a:uFill>
+                <a:latin typeface="Century Gothic"/>
+              </a:rPr>
+              <a:t>Secure</a:t>
+            </a:r>
+            <a:r>
+              <a:rPr lang="el-GR" sz="2400" b="1" strike="noStrike" spc="-1" dirty="0">
+                <a:solidFill>
+                  <a:srgbClr val="FFFFFF"/>
+                </a:solidFill>
+                <a:uFill>
+                  <a:solidFill>
+                    <a:srgbClr val="FFFFFF"/>
+                  </a:solidFill>
+                </a:uFill>
+                <a:latin typeface="Century Gothic"/>
+              </a:rPr>
+              <a:t> the </a:t>
+            </a:r>
+            <a:r>
+              <a:rPr lang="el-GR" sz="2400" b="1" strike="noStrike" spc="-1" dirty="0" err="1">
+                <a:solidFill>
+                  <a:srgbClr val="FFFFFF"/>
+                </a:solidFill>
+                <a:uFill>
+                  <a:solidFill>
+                    <a:srgbClr val="FFFFFF"/>
+                  </a:solidFill>
+                </a:uFill>
+                <a:latin typeface="Century Gothic"/>
+              </a:rPr>
+              <a:t>console</a:t>
+            </a:r>
+            <a:r>
+              <a:rPr lang="el-GR" sz="2400" b="1" strike="noStrike" spc="-1" dirty="0">
+                <a:solidFill>
+                  <a:srgbClr val="FFFFFF"/>
+                </a:solidFill>
+                <a:uFill>
+                  <a:solidFill>
+                    <a:srgbClr val="FFFFFF"/>
+                  </a:solidFill>
+                </a:uFill>
+                <a:latin typeface="Century Gothic"/>
+              </a:rPr>
+              <a:t> </a:t>
+            </a:r>
+            <a:r>
+              <a:rPr lang="el-GR" sz="2400" b="1" strike="noStrike" spc="-1" dirty="0" err="1">
+                <a:solidFill>
+                  <a:srgbClr val="FFFFFF"/>
+                </a:solidFill>
+                <a:uFill>
+                  <a:solidFill>
+                    <a:srgbClr val="FFFFFF"/>
+                  </a:solidFill>
+                </a:uFill>
+                <a:latin typeface="Century Gothic"/>
+              </a:rPr>
+              <a:t>line.Use</a:t>
+            </a:r>
+            <a:r>
+              <a:rPr lang="el-GR" sz="2400" b="1" strike="noStrike" spc="-1" dirty="0">
+                <a:solidFill>
+                  <a:srgbClr val="FFFFFF"/>
+                </a:solidFill>
+                <a:uFill>
+                  <a:solidFill>
+                    <a:srgbClr val="FFFFFF"/>
+                  </a:solidFill>
+                </a:uFill>
+                <a:latin typeface="Century Gothic"/>
+              </a:rPr>
+              <a:t> the </a:t>
+            </a:r>
+            <a:r>
+              <a:rPr lang="el-GR" sz="2400" b="1" strike="noStrike" spc="-1" dirty="0" err="1">
+                <a:solidFill>
+                  <a:srgbClr val="FFFFFF"/>
+                </a:solidFill>
+                <a:uFill>
+                  <a:solidFill>
+                    <a:srgbClr val="FFFFFF"/>
+                  </a:solidFill>
+                </a:uFill>
+                <a:latin typeface="Century Gothic"/>
+              </a:rPr>
+              <a:t>password</a:t>
+            </a:r>
+            <a:r>
+              <a:rPr lang="el-GR" sz="2400" b="1" strike="noStrike" spc="-1" dirty="0">
+                <a:solidFill>
+                  <a:srgbClr val="FFFFFF"/>
+                </a:solidFill>
+                <a:uFill>
+                  <a:solidFill>
+                    <a:srgbClr val="FFFFFF"/>
+                  </a:solidFill>
+                </a:uFill>
+                <a:latin typeface="Century Gothic"/>
+              </a:rPr>
+              <a:t> Cisc0.Allow </a:t>
+            </a:r>
+            <a:r>
+              <a:rPr lang="el-GR" sz="2400" b="1" strike="noStrike" spc="-1" dirty="0" err="1">
+                <a:solidFill>
+                  <a:srgbClr val="FFFFFF"/>
+                </a:solidFill>
+                <a:uFill>
+                  <a:solidFill>
+                    <a:srgbClr val="FFFFFF"/>
+                  </a:solidFill>
+                </a:uFill>
+                <a:latin typeface="Century Gothic"/>
+              </a:rPr>
+              <a:t>login</a:t>
+            </a:r>
+            <a:r>
+              <a:rPr lang="el-GR" sz="2400" b="1" strike="noStrike" spc="-1" dirty="0">
+                <a:solidFill>
+                  <a:srgbClr val="FFFFFF"/>
+                </a:solidFill>
+                <a:uFill>
+                  <a:solidFill>
+                    <a:srgbClr val="FFFFFF"/>
+                  </a:solidFill>
+                </a:uFill>
+                <a:latin typeface="Century Gothic"/>
+              </a:rPr>
+              <a:t>.</a:t>
+            </a:r>
+            <a:endParaRPr lang="el-GR" sz="1800" b="0" strike="noStrike" spc="-1" dirty="0">
               <a:solidFill>
                 <a:srgbClr val="000000"/>
               </a:solidFill>
@@ -8106,20 +8698,104 @@
               <a:buChar char=""/>
             </a:pPr>
             <a:r>
-              <a:rPr lang="el-GR" sz="2400" b="0" strike="noStrike" spc="-1">
-                <a:solidFill>
-                  <a:srgbClr val="FFFFFF"/>
-                </a:solidFill>
-                <a:uFill>
-                  <a:solidFill>
-                    <a:srgbClr val="FFFFFF"/>
-                  </a:solidFill>
-                </a:uFill>
-                <a:latin typeface="Century Gothic"/>
-              </a:rPr>
-              <a:t>Sw-Floor-1(config)# line console 0</a:t>
-            </a:r>
-            <a:endParaRPr lang="el-GR" sz="1800" b="0" strike="noStrike" spc="-1">
+              <a:rPr lang="el-GR" sz="2400" b="0" strike="noStrike" spc="-1" dirty="0">
+                <a:solidFill>
+                  <a:srgbClr val="FFFFFF"/>
+                </a:solidFill>
+                <a:uFill>
+                  <a:solidFill>
+                    <a:srgbClr val="FFFFFF"/>
+                  </a:solidFill>
+                </a:uFill>
+                <a:latin typeface="Century Gothic"/>
+              </a:rPr>
+              <a:t>Sw-Floor-1(</a:t>
+            </a:r>
+            <a:r>
+              <a:rPr lang="el-GR" sz="2400" b="0" strike="noStrike" spc="-1" dirty="0" err="1">
+                <a:solidFill>
+                  <a:srgbClr val="FFFFFF"/>
+                </a:solidFill>
+                <a:uFill>
+                  <a:solidFill>
+                    <a:srgbClr val="FFFFFF"/>
+                  </a:solidFill>
+                </a:uFill>
+                <a:latin typeface="Century Gothic"/>
+              </a:rPr>
+              <a:t>config</a:t>
+            </a:r>
+            <a:r>
+              <a:rPr lang="el-GR" sz="2400" b="0" strike="noStrike" spc="-1" dirty="0">
+                <a:solidFill>
+                  <a:srgbClr val="FFFFFF"/>
+                </a:solidFill>
+                <a:uFill>
+                  <a:solidFill>
+                    <a:srgbClr val="FFFFFF"/>
+                  </a:solidFill>
+                </a:uFill>
+                <a:latin typeface="Century Gothic"/>
+              </a:rPr>
+              <a:t>)# </a:t>
+            </a:r>
+            <a:r>
+              <a:rPr lang="el-GR" sz="2400" b="0" strike="noStrike" spc="-1" dirty="0" err="1">
+                <a:solidFill>
+                  <a:srgbClr val="FFFFFF"/>
+                </a:solidFill>
+                <a:uFill>
+                  <a:solidFill>
+                    <a:srgbClr val="FFFFFF"/>
+                  </a:solidFill>
+                </a:uFill>
+                <a:latin typeface="Century Gothic"/>
+              </a:rPr>
+              <a:t>line</a:t>
+            </a:r>
+            <a:r>
+              <a:rPr lang="el-GR" sz="2400" b="0" strike="noStrike" spc="-1" dirty="0">
+                <a:solidFill>
+                  <a:srgbClr val="FFFFFF"/>
+                </a:solidFill>
+                <a:uFill>
+                  <a:solidFill>
+                    <a:srgbClr val="FFFFFF"/>
+                  </a:solidFill>
+                </a:uFill>
+                <a:latin typeface="Century Gothic"/>
+              </a:rPr>
+              <a:t> </a:t>
+            </a:r>
+            <a:r>
+              <a:rPr lang="el-GR" sz="2400" b="0" strike="noStrike" spc="-1" dirty="0" err="1">
+                <a:solidFill>
+                  <a:srgbClr val="FFFFFF"/>
+                </a:solidFill>
+                <a:uFill>
+                  <a:solidFill>
+                    <a:srgbClr val="FFFFFF"/>
+                  </a:solidFill>
+                </a:uFill>
+                <a:latin typeface="Century Gothic"/>
+              </a:rPr>
+              <a:t>console</a:t>
+            </a:r>
+            <a:r>
+              <a:rPr lang="el-GR" sz="2400" b="0" strike="noStrike" spc="-1" dirty="0">
+                <a:solidFill>
+                  <a:srgbClr val="FFFFFF"/>
+                </a:solidFill>
+                <a:uFill>
+                  <a:solidFill>
+                    <a:srgbClr val="FFFFFF"/>
+                  </a:solidFill>
+                </a:uFill>
+                <a:latin typeface="Century Gothic"/>
+              </a:rPr>
+              <a:t> 0</a:t>
+            </a:r>
+            <a:endParaRPr lang="el-GR" sz="1800" b="0" strike="noStrike" spc="-1" dirty="0">
               <a:solidFill>
                 <a:srgbClr val="000000"/>
               </a:solidFill>
@@ -8144,20 +8820,76 @@
               <a:buChar char=""/>
             </a:pPr>
             <a:r>
-              <a:rPr lang="el-GR" sz="2400" b="0" strike="noStrike" spc="-1">
-                <a:solidFill>
-                  <a:srgbClr val="FFFFFF"/>
-                </a:solidFill>
-                <a:uFill>
-                  <a:solidFill>
-                    <a:srgbClr val="FFFFFF"/>
-                  </a:solidFill>
-                </a:uFill>
-                <a:latin typeface="Century Gothic"/>
-              </a:rPr>
-              <a:t>Sw-Floor-1(config-line)# password Cisc0</a:t>
-            </a:r>
-            <a:endParaRPr lang="el-GR" sz="1800" b="0" strike="noStrike" spc="-1">
+              <a:rPr lang="el-GR" sz="2400" b="0" strike="noStrike" spc="-1" dirty="0">
+                <a:solidFill>
+                  <a:srgbClr val="FFFFFF"/>
+                </a:solidFill>
+                <a:uFill>
+                  <a:solidFill>
+                    <a:srgbClr val="FFFFFF"/>
+                  </a:solidFill>
+                </a:uFill>
+                <a:latin typeface="Century Gothic"/>
+              </a:rPr>
+              <a:t>Sw-Floor-1(</a:t>
+            </a:r>
+            <a:r>
+              <a:rPr lang="el-GR" sz="2400" b="0" strike="noStrike" spc="-1" dirty="0" err="1">
+                <a:solidFill>
+                  <a:srgbClr val="FFFFFF"/>
+                </a:solidFill>
+                <a:uFill>
+                  <a:solidFill>
+                    <a:srgbClr val="FFFFFF"/>
+                  </a:solidFill>
+                </a:uFill>
+                <a:latin typeface="Century Gothic"/>
+              </a:rPr>
+              <a:t>config-line</a:t>
+            </a:r>
+            <a:r>
+              <a:rPr lang="el-GR" sz="2400" b="0" strike="noStrike" spc="-1" dirty="0">
+                <a:solidFill>
+                  <a:srgbClr val="FFFFFF"/>
+                </a:solidFill>
+                <a:uFill>
+                  <a:solidFill>
+                    <a:srgbClr val="FFFFFF"/>
+                  </a:solidFill>
+                </a:uFill>
+                <a:latin typeface="Century Gothic"/>
+              </a:rPr>
+              <a:t>)# </a:t>
+            </a:r>
+            <a:r>
+              <a:rPr lang="el-GR" sz="2400" b="0" strike="noStrike" spc="-1" dirty="0" err="1">
+                <a:solidFill>
+                  <a:srgbClr val="FFFFFF"/>
+                </a:solidFill>
+                <a:uFill>
+                  <a:solidFill>
+                    <a:srgbClr val="FFFFFF"/>
+                  </a:solidFill>
+                </a:uFill>
+                <a:latin typeface="Century Gothic"/>
+              </a:rPr>
+              <a:t>password</a:t>
+            </a:r>
+            <a:r>
+              <a:rPr lang="el-GR" sz="2400" b="0" strike="noStrike" spc="-1" dirty="0">
+                <a:solidFill>
+                  <a:srgbClr val="FFFFFF"/>
+                </a:solidFill>
+                <a:uFill>
+                  <a:solidFill>
+                    <a:srgbClr val="FFFFFF"/>
+                  </a:solidFill>
+                </a:uFill>
+                <a:latin typeface="Century Gothic"/>
+              </a:rPr>
+              <a:t> Cisc0</a:t>
+            </a:r>
+            <a:endParaRPr lang="el-GR" sz="1800" b="0" strike="noStrike" spc="-1" dirty="0">
               <a:solidFill>
                 <a:srgbClr val="000000"/>
               </a:solidFill>
@@ -8182,20 +8914,62 @@
               <a:buChar char=""/>
             </a:pPr>
             <a:r>
-              <a:rPr lang="el-GR" sz="2400" b="0" strike="noStrike" spc="-1">
-                <a:solidFill>
-                  <a:srgbClr val="FFFFFF"/>
-                </a:solidFill>
-                <a:uFill>
-                  <a:solidFill>
-                    <a:srgbClr val="FFFFFF"/>
-                  </a:solidFill>
-                </a:uFill>
-                <a:latin typeface="Century Gothic"/>
-              </a:rPr>
-              <a:t>Sw-Floor-1(config-line)# login</a:t>
-            </a:r>
-            <a:endParaRPr lang="el-GR" sz="1800" b="0" strike="noStrike" spc="-1">
+              <a:rPr lang="el-GR" sz="2400" b="0" strike="noStrike" spc="-1" dirty="0">
+                <a:solidFill>
+                  <a:srgbClr val="FFFFFF"/>
+                </a:solidFill>
+                <a:uFill>
+                  <a:solidFill>
+                    <a:srgbClr val="FFFFFF"/>
+                  </a:solidFill>
+                </a:uFill>
+                <a:latin typeface="Century Gothic"/>
+              </a:rPr>
+              <a:t>Sw-Floor-1(</a:t>
+            </a:r>
+            <a:r>
+              <a:rPr lang="el-GR" sz="2400" b="0" strike="noStrike" spc="-1" dirty="0" err="1">
+                <a:solidFill>
+                  <a:srgbClr val="FFFFFF"/>
+                </a:solidFill>
+                <a:uFill>
+                  <a:solidFill>
+                    <a:srgbClr val="FFFFFF"/>
+                  </a:solidFill>
+                </a:uFill>
+                <a:latin typeface="Century Gothic"/>
+              </a:rPr>
+              <a:t>config-line</a:t>
+            </a:r>
+            <a:r>
+              <a:rPr lang="el-GR" sz="2400" b="0" strike="noStrike" spc="-1" dirty="0">
+                <a:solidFill>
+                  <a:srgbClr val="FFFFFF"/>
+                </a:solidFill>
+                <a:uFill>
+                  <a:solidFill>
+                    <a:srgbClr val="FFFFFF"/>
+                  </a:solidFill>
+                </a:uFill>
+                <a:latin typeface="Century Gothic"/>
+              </a:rPr>
+              <a:t>)# </a:t>
+            </a:r>
+            <a:r>
+              <a:rPr lang="el-GR" sz="2400" b="0" strike="noStrike" spc="-1" dirty="0" err="1">
+                <a:solidFill>
+                  <a:srgbClr val="FFFFFF"/>
+                </a:solidFill>
+                <a:uFill>
+                  <a:solidFill>
+                    <a:srgbClr val="FFFFFF"/>
+                  </a:solidFill>
+                </a:uFill>
+                <a:latin typeface="Century Gothic"/>
+              </a:rPr>
+              <a:t>login</a:t>
+            </a:r>
+            <a:endParaRPr lang="el-GR" sz="1800" b="0" strike="noStrike" spc="-1" dirty="0">
               <a:solidFill>
                 <a:srgbClr val="000000"/>
               </a:solidFill>
@@ -8220,20 +8994,146 @@
               <a:buChar char=""/>
             </a:pPr>
             <a:r>
-              <a:rPr lang="el-GR" sz="2400" b="1" strike="noStrike" spc="-1">
-                <a:solidFill>
-                  <a:srgbClr val="FFFFFF"/>
-                </a:solidFill>
-                <a:uFill>
-                  <a:solidFill>
-                    <a:srgbClr val="FFFFFF"/>
-                  </a:solidFill>
-                </a:uFill>
-                <a:latin typeface="Century Gothic"/>
-              </a:rPr>
-              <a:t>Secure the first 16 VTY lines.Use the password Cisc0.Allow login.</a:t>
-            </a:r>
-            <a:endParaRPr lang="el-GR" sz="1800" b="0" strike="noStrike" spc="-1">
+              <a:rPr lang="el-GR" sz="2400" b="1" strike="noStrike" spc="-1" dirty="0" err="1">
+                <a:solidFill>
+                  <a:srgbClr val="FFFFFF"/>
+                </a:solidFill>
+                <a:uFill>
+                  <a:solidFill>
+                    <a:srgbClr val="FFFFFF"/>
+                  </a:solidFill>
+                </a:uFill>
+                <a:latin typeface="Century Gothic"/>
+              </a:rPr>
+              <a:t>Secure</a:t>
+            </a:r>
+            <a:r>
+              <a:rPr lang="el-GR" sz="2400" b="1" strike="noStrike" spc="-1" dirty="0">
+                <a:solidFill>
+                  <a:srgbClr val="FFFFFF"/>
+                </a:solidFill>
+                <a:uFill>
+                  <a:solidFill>
+                    <a:srgbClr val="FFFFFF"/>
+                  </a:solidFill>
+                </a:uFill>
+                <a:latin typeface="Century Gothic"/>
+              </a:rPr>
+              <a:t> the </a:t>
+            </a:r>
+            <a:r>
+              <a:rPr lang="el-GR" sz="2400" b="1" strike="noStrike" spc="-1" dirty="0" err="1">
+                <a:solidFill>
+                  <a:srgbClr val="FFFFFF"/>
+                </a:solidFill>
+                <a:uFill>
+                  <a:solidFill>
+                    <a:srgbClr val="FFFFFF"/>
+                  </a:solidFill>
+                </a:uFill>
+                <a:latin typeface="Century Gothic"/>
+              </a:rPr>
+              <a:t>first</a:t>
+            </a:r>
+            <a:r>
+              <a:rPr lang="el-GR" sz="2400" b="1" strike="noStrike" spc="-1" dirty="0">
+                <a:solidFill>
+                  <a:srgbClr val="FFFFFF"/>
+                </a:solidFill>
+                <a:uFill>
+                  <a:solidFill>
+                    <a:srgbClr val="FFFFFF"/>
+                  </a:solidFill>
+                </a:uFill>
+                <a:latin typeface="Century Gothic"/>
+              </a:rPr>
+              <a:t> 16 VTY </a:t>
+            </a:r>
+            <a:r>
+              <a:rPr lang="el-GR" sz="2400" b="1" strike="noStrike" spc="-1" dirty="0" err="1">
+                <a:solidFill>
+                  <a:srgbClr val="FFFFFF"/>
+                </a:solidFill>
+                <a:uFill>
+                  <a:solidFill>
+                    <a:srgbClr val="FFFFFF"/>
+                  </a:solidFill>
+                </a:uFill>
+                <a:latin typeface="Century Gothic"/>
+              </a:rPr>
+              <a:t>lines.Use</a:t>
+            </a:r>
+            <a:r>
+              <a:rPr lang="el-GR" sz="2400" b="1" strike="noStrike" spc="-1" dirty="0">
+                <a:solidFill>
+                  <a:srgbClr val="FFFFFF"/>
+                </a:solidFill>
+                <a:uFill>
+                  <a:solidFill>
+                    <a:srgbClr val="FFFFFF"/>
+                  </a:solidFill>
+                </a:uFill>
+                <a:latin typeface="Century Gothic"/>
+              </a:rPr>
+              <a:t> the </a:t>
+            </a:r>
+            <a:r>
+              <a:rPr lang="el-GR" sz="2400" b="1" strike="noStrike" spc="-1" dirty="0" err="1">
+                <a:solidFill>
+                  <a:srgbClr val="FFFFFF"/>
+                </a:solidFill>
+                <a:uFill>
+                  <a:solidFill>
+                    <a:srgbClr val="FFFFFF"/>
+                  </a:solidFill>
+                </a:uFill>
+                <a:latin typeface="Century Gothic"/>
+              </a:rPr>
+              <a:t>password</a:t>
+            </a:r>
+            <a:r>
+              <a:rPr lang="el-GR" sz="2400" b="1" strike="noStrike" spc="-1" dirty="0">
+                <a:solidFill>
+                  <a:srgbClr val="FFFFFF"/>
+                </a:solidFill>
+                <a:uFill>
+                  <a:solidFill>
+                    <a:srgbClr val="FFFFFF"/>
+                  </a:solidFill>
+                </a:uFill>
+                <a:latin typeface="Century Gothic"/>
+              </a:rPr>
+              <a:t> Cisc0.Allow </a:t>
+            </a:r>
+            <a:r>
+              <a:rPr lang="el-GR" sz="2400" b="1" strike="noStrike" spc="-1" dirty="0" err="1">
+                <a:solidFill>
+                  <a:srgbClr val="FFFFFF"/>
+                </a:solidFill>
+                <a:uFill>
+                  <a:solidFill>
+                    <a:srgbClr val="FFFFFF"/>
+                  </a:solidFill>
+                </a:uFill>
+                <a:latin typeface="Century Gothic"/>
+              </a:rPr>
+              <a:t>login</a:t>
+            </a:r>
+            <a:r>
+              <a:rPr lang="el-GR" sz="2400" b="1" strike="noStrike" spc="-1" dirty="0">
+                <a:solidFill>
+                  <a:srgbClr val="FFFFFF"/>
+                </a:solidFill>
+                <a:uFill>
+                  <a:solidFill>
+                    <a:srgbClr val="FFFFFF"/>
+                  </a:solidFill>
+                </a:uFill>
+                <a:latin typeface="Century Gothic"/>
+              </a:rPr>
+              <a:t>.</a:t>
+            </a:r>
+            <a:endParaRPr lang="el-GR" sz="1800" b="0" strike="noStrike" spc="-1" dirty="0">
               <a:solidFill>
                 <a:srgbClr val="000000"/>
               </a:solidFill>
@@ -8258,20 +9158,104 @@
               <a:buChar char=""/>
             </a:pPr>
             <a:r>
-              <a:rPr lang="el-GR" sz="2400" b="0" strike="noStrike" spc="-1">
-                <a:solidFill>
-                  <a:srgbClr val="FFFFFF"/>
-                </a:solidFill>
-                <a:uFill>
-                  <a:solidFill>
-                    <a:srgbClr val="FFFFFF"/>
-                  </a:solidFill>
-                </a:uFill>
-                <a:latin typeface="Century Gothic"/>
-              </a:rPr>
-              <a:t>Sw-Floor-1(config)# line vty 0 15</a:t>
-            </a:r>
-            <a:endParaRPr lang="el-GR" sz="1800" b="0" strike="noStrike" spc="-1">
+              <a:rPr lang="el-GR" sz="2400" b="0" strike="noStrike" spc="-1" dirty="0">
+                <a:solidFill>
+                  <a:srgbClr val="FFFFFF"/>
+                </a:solidFill>
+                <a:uFill>
+                  <a:solidFill>
+                    <a:srgbClr val="FFFFFF"/>
+                  </a:solidFill>
+                </a:uFill>
+                <a:latin typeface="Century Gothic"/>
+              </a:rPr>
+              <a:t>Sw-Floor-1(</a:t>
+            </a:r>
+            <a:r>
+              <a:rPr lang="el-GR" sz="2400" b="0" strike="noStrike" spc="-1" dirty="0" err="1">
+                <a:solidFill>
+                  <a:srgbClr val="FFFFFF"/>
+                </a:solidFill>
+                <a:uFill>
+                  <a:solidFill>
+                    <a:srgbClr val="FFFFFF"/>
+                  </a:solidFill>
+                </a:uFill>
+                <a:latin typeface="Century Gothic"/>
+              </a:rPr>
+              <a:t>config</a:t>
+            </a:r>
+            <a:r>
+              <a:rPr lang="el-GR" sz="2400" b="0" strike="noStrike" spc="-1" dirty="0">
+                <a:solidFill>
+                  <a:srgbClr val="FFFFFF"/>
+                </a:solidFill>
+                <a:uFill>
+                  <a:solidFill>
+                    <a:srgbClr val="FFFFFF"/>
+                  </a:solidFill>
+                </a:uFill>
+                <a:latin typeface="Century Gothic"/>
+              </a:rPr>
+              <a:t>)# </a:t>
+            </a:r>
+            <a:r>
+              <a:rPr lang="el-GR" sz="2400" b="0" strike="noStrike" spc="-1" dirty="0" err="1">
+                <a:solidFill>
+                  <a:srgbClr val="FFFFFF"/>
+                </a:solidFill>
+                <a:uFill>
+                  <a:solidFill>
+                    <a:srgbClr val="FFFFFF"/>
+                  </a:solidFill>
+                </a:uFill>
+                <a:latin typeface="Century Gothic"/>
+              </a:rPr>
+              <a:t>line</a:t>
+            </a:r>
+            <a:r>
+              <a:rPr lang="el-GR" sz="2400" b="0" strike="noStrike" spc="-1" dirty="0">
+                <a:solidFill>
+                  <a:srgbClr val="FFFFFF"/>
+                </a:solidFill>
+                <a:uFill>
+                  <a:solidFill>
+                    <a:srgbClr val="FFFFFF"/>
+                  </a:solidFill>
+                </a:uFill>
+                <a:latin typeface="Century Gothic"/>
+              </a:rPr>
+              <a:t> </a:t>
+            </a:r>
+            <a:r>
+              <a:rPr lang="el-GR" sz="2400" b="0" strike="noStrike" spc="-1" dirty="0" err="1">
+                <a:solidFill>
+                  <a:srgbClr val="FFFFFF"/>
+                </a:solidFill>
+                <a:uFill>
+                  <a:solidFill>
+                    <a:srgbClr val="FFFFFF"/>
+                  </a:solidFill>
+                </a:uFill>
+                <a:latin typeface="Century Gothic"/>
+              </a:rPr>
+              <a:t>vty</a:t>
+            </a:r>
+            <a:r>
+              <a:rPr lang="el-GR" sz="2400" b="0" strike="noStrike" spc="-1" dirty="0">
+                <a:solidFill>
+                  <a:srgbClr val="FFFFFF"/>
+                </a:solidFill>
+                <a:uFill>
+                  <a:solidFill>
+                    <a:srgbClr val="FFFFFF"/>
+                  </a:solidFill>
+                </a:uFill>
+                <a:latin typeface="Century Gothic"/>
+              </a:rPr>
+              <a:t> 0 15</a:t>
+            </a:r>
+            <a:endParaRPr lang="el-GR" sz="1800" b="0" strike="noStrike" spc="-1" dirty="0">
               <a:solidFill>
                 <a:srgbClr val="000000"/>
               </a:solidFill>
@@ -8296,20 +9280,76 @@
               <a:buChar char=""/>
             </a:pPr>
             <a:r>
-              <a:rPr lang="el-GR" sz="2400" b="0" strike="noStrike" spc="-1">
-                <a:solidFill>
-                  <a:srgbClr val="FFFFFF"/>
-                </a:solidFill>
-                <a:uFill>
-                  <a:solidFill>
-                    <a:srgbClr val="FFFFFF"/>
-                  </a:solidFill>
-                </a:uFill>
-                <a:latin typeface="Century Gothic"/>
-              </a:rPr>
-              <a:t>Sw-Floor-1(config-line)# password Cisc0</a:t>
-            </a:r>
-            <a:endParaRPr lang="el-GR" sz="1800" b="0" strike="noStrike" spc="-1">
+              <a:rPr lang="el-GR" sz="2400" b="0" strike="noStrike" spc="-1" dirty="0">
+                <a:solidFill>
+                  <a:srgbClr val="FFFFFF"/>
+                </a:solidFill>
+                <a:uFill>
+                  <a:solidFill>
+                    <a:srgbClr val="FFFFFF"/>
+                  </a:solidFill>
+                </a:uFill>
+                <a:latin typeface="Century Gothic"/>
+              </a:rPr>
+              <a:t>Sw-Floor-1(</a:t>
+            </a:r>
+            <a:r>
+              <a:rPr lang="el-GR" sz="2400" b="0" strike="noStrike" spc="-1" dirty="0" err="1">
+                <a:solidFill>
+                  <a:srgbClr val="FFFFFF"/>
+                </a:solidFill>
+                <a:uFill>
+                  <a:solidFill>
+                    <a:srgbClr val="FFFFFF"/>
+                  </a:solidFill>
+                </a:uFill>
+                <a:latin typeface="Century Gothic"/>
+              </a:rPr>
+              <a:t>config-line</a:t>
+            </a:r>
+            <a:r>
+              <a:rPr lang="el-GR" sz="2400" b="0" strike="noStrike" spc="-1" dirty="0">
+                <a:solidFill>
+                  <a:srgbClr val="FFFFFF"/>
+                </a:solidFill>
+                <a:uFill>
+                  <a:solidFill>
+                    <a:srgbClr val="FFFFFF"/>
+                  </a:solidFill>
+                </a:uFill>
+                <a:latin typeface="Century Gothic"/>
+              </a:rPr>
+              <a:t>)# </a:t>
+            </a:r>
+            <a:r>
+              <a:rPr lang="el-GR" sz="2400" b="0" strike="noStrike" spc="-1" dirty="0" err="1">
+                <a:solidFill>
+                  <a:srgbClr val="FFFFFF"/>
+                </a:solidFill>
+                <a:uFill>
+                  <a:solidFill>
+                    <a:srgbClr val="FFFFFF"/>
+                  </a:solidFill>
+                </a:uFill>
+                <a:latin typeface="Century Gothic"/>
+              </a:rPr>
+              <a:t>password</a:t>
+            </a:r>
+            <a:r>
+              <a:rPr lang="el-GR" sz="2400" b="0" strike="noStrike" spc="-1" dirty="0">
+                <a:solidFill>
+                  <a:srgbClr val="FFFFFF"/>
+                </a:solidFill>
+                <a:uFill>
+                  <a:solidFill>
+                    <a:srgbClr val="FFFFFF"/>
+                  </a:solidFill>
+                </a:uFill>
+                <a:latin typeface="Century Gothic"/>
+              </a:rPr>
+              <a:t> Cisc0</a:t>
+            </a:r>
+            <a:endParaRPr lang="el-GR" sz="1800" b="0" strike="noStrike" spc="-1" dirty="0">
               <a:solidFill>
                 <a:srgbClr val="000000"/>
               </a:solidFill>
@@ -8334,20 +9374,62 @@
               <a:buChar char=""/>
             </a:pPr>
             <a:r>
-              <a:rPr lang="el-GR" sz="2400" b="0" strike="noStrike" spc="-1">
-                <a:solidFill>
-                  <a:srgbClr val="FFFFFF"/>
-                </a:solidFill>
-                <a:uFill>
-                  <a:solidFill>
-                    <a:srgbClr val="FFFFFF"/>
-                  </a:solidFill>
-                </a:uFill>
-                <a:latin typeface="Century Gothic"/>
-              </a:rPr>
-              <a:t>Sw-Floor-1(config-line)# login</a:t>
-            </a:r>
-            <a:endParaRPr lang="el-GR" sz="1800" b="0" strike="noStrike" spc="-1">
+              <a:rPr lang="el-GR" sz="2400" b="0" strike="noStrike" spc="-1" dirty="0">
+                <a:solidFill>
+                  <a:srgbClr val="FFFFFF"/>
+                </a:solidFill>
+                <a:uFill>
+                  <a:solidFill>
+                    <a:srgbClr val="FFFFFF"/>
+                  </a:solidFill>
+                </a:uFill>
+                <a:latin typeface="Century Gothic"/>
+              </a:rPr>
+              <a:t>Sw-Floor-1(</a:t>
+            </a:r>
+            <a:r>
+              <a:rPr lang="el-GR" sz="2400" b="0" strike="noStrike" spc="-1" dirty="0" err="1">
+                <a:solidFill>
+                  <a:srgbClr val="FFFFFF"/>
+                </a:solidFill>
+                <a:uFill>
+                  <a:solidFill>
+                    <a:srgbClr val="FFFFFF"/>
+                  </a:solidFill>
+                </a:uFill>
+                <a:latin typeface="Century Gothic"/>
+              </a:rPr>
+              <a:t>config-line</a:t>
+            </a:r>
+            <a:r>
+              <a:rPr lang="el-GR" sz="2400" b="0" strike="noStrike" spc="-1" dirty="0">
+                <a:solidFill>
+                  <a:srgbClr val="FFFFFF"/>
+                </a:solidFill>
+                <a:uFill>
+                  <a:solidFill>
+                    <a:srgbClr val="FFFFFF"/>
+                  </a:solidFill>
+                </a:uFill>
+                <a:latin typeface="Century Gothic"/>
+              </a:rPr>
+              <a:t>)# </a:t>
+            </a:r>
+            <a:r>
+              <a:rPr lang="el-GR" sz="2400" b="0" strike="noStrike" spc="-1" dirty="0" err="1">
+                <a:solidFill>
+                  <a:srgbClr val="FFFFFF"/>
+                </a:solidFill>
+                <a:uFill>
+                  <a:solidFill>
+                    <a:srgbClr val="FFFFFF"/>
+                  </a:solidFill>
+                </a:uFill>
+                <a:latin typeface="Century Gothic"/>
+              </a:rPr>
+              <a:t>login</a:t>
+            </a:r>
+            <a:endParaRPr lang="el-GR" sz="1800" b="0" strike="noStrike" spc="-1" dirty="0">
               <a:solidFill>
                 <a:srgbClr val="000000"/>
               </a:solidFill>
@@ -8372,20 +9454,202 @@
               <a:buChar char=""/>
             </a:pPr>
             <a:r>
-              <a:rPr lang="el-GR" sz="2400" b="1" strike="noStrike" spc="-1">
-                <a:solidFill>
-                  <a:srgbClr val="FFFFFF"/>
-                </a:solidFill>
-                <a:uFill>
-                  <a:solidFill>
-                    <a:srgbClr val="FFFFFF"/>
-                  </a:solidFill>
-                </a:uFill>
-                <a:latin typeface="Century Gothic"/>
-              </a:rPr>
-              <a:t>You have successfully limited access to a switch.</a:t>
-            </a:r>
-            <a:endParaRPr lang="el-GR" sz="1800" b="0" strike="noStrike" spc="-1">
+              <a:rPr lang="el-GR" sz="2400" b="1" strike="noStrike" spc="-1" dirty="0" err="1">
+                <a:solidFill>
+                  <a:srgbClr val="FFFFFF"/>
+                </a:solidFill>
+                <a:uFill>
+                  <a:solidFill>
+                    <a:srgbClr val="FFFFFF"/>
+                  </a:solidFill>
+                </a:uFill>
+                <a:latin typeface="Century Gothic"/>
+              </a:rPr>
+              <a:t>You</a:t>
+            </a:r>
+            <a:r>
+              <a:rPr lang="el-GR" sz="2400" b="1" strike="noStrike" spc="-1" dirty="0">
+                <a:solidFill>
+                  <a:srgbClr val="FFFFFF"/>
+                </a:solidFill>
+                <a:uFill>
+                  <a:solidFill>
+                    <a:srgbClr val="FFFFFF"/>
+                  </a:solidFill>
+                </a:uFill>
+                <a:latin typeface="Century Gothic"/>
+              </a:rPr>
+              <a:t> </a:t>
+            </a:r>
+            <a:r>
+              <a:rPr lang="el-GR" sz="2400" b="1" strike="noStrike" spc="-1" dirty="0" err="1">
+                <a:solidFill>
+                  <a:srgbClr val="FFFFFF"/>
+                </a:solidFill>
+                <a:uFill>
+                  <a:solidFill>
+                    <a:srgbClr val="FFFFFF"/>
+                  </a:solidFill>
+                </a:uFill>
+                <a:latin typeface="Century Gothic"/>
+              </a:rPr>
+              <a:t>have</a:t>
+            </a:r>
+            <a:r>
+              <a:rPr lang="el-GR" sz="2400" b="1" strike="noStrike" spc="-1" dirty="0">
+                <a:solidFill>
+                  <a:srgbClr val="FFFFFF"/>
+                </a:solidFill>
+                <a:uFill>
+                  <a:solidFill>
+                    <a:srgbClr val="FFFFFF"/>
+                  </a:solidFill>
+                </a:uFill>
+                <a:latin typeface="Century Gothic"/>
+              </a:rPr>
+              <a:t> </a:t>
+            </a:r>
+            <a:r>
+              <a:rPr lang="el-GR" sz="2400" b="1" strike="noStrike" spc="-1" dirty="0" err="1">
+                <a:solidFill>
+                  <a:srgbClr val="FFFFFF"/>
+                </a:solidFill>
+                <a:uFill>
+                  <a:solidFill>
+                    <a:srgbClr val="FFFFFF"/>
+                  </a:solidFill>
+                </a:uFill>
+                <a:latin typeface="Century Gothic"/>
+              </a:rPr>
+              <a:t>successfully</a:t>
+            </a:r>
+            <a:r>
+              <a:rPr lang="el-GR" sz="2400" b="1" strike="noStrike" spc="-1" dirty="0">
+                <a:solidFill>
+                  <a:srgbClr val="FFFFFF"/>
+                </a:solidFill>
+                <a:uFill>
+                  <a:solidFill>
+                    <a:srgbClr val="FFFFFF"/>
+                  </a:solidFill>
+                </a:uFill>
+                <a:latin typeface="Century Gothic"/>
+              </a:rPr>
+              <a:t> </a:t>
+            </a:r>
+            <a:r>
+              <a:rPr lang="el-GR" sz="2400" b="1" strike="noStrike" spc="-1" dirty="0" err="1">
+                <a:solidFill>
+                  <a:srgbClr val="FFFFFF"/>
+                </a:solidFill>
+                <a:uFill>
+                  <a:solidFill>
+                    <a:srgbClr val="FFFFFF"/>
+                  </a:solidFill>
+                </a:uFill>
+                <a:latin typeface="Century Gothic"/>
+              </a:rPr>
+              <a:t>limited</a:t>
+            </a:r>
+            <a:r>
+              <a:rPr lang="el-GR" sz="2400" b="1" strike="noStrike" spc="-1" dirty="0">
+                <a:solidFill>
+                  <a:srgbClr val="FFFFFF"/>
+                </a:solidFill>
+                <a:uFill>
+                  <a:solidFill>
+                    <a:srgbClr val="FFFFFF"/>
+                  </a:solidFill>
+                </a:uFill>
+                <a:latin typeface="Century Gothic"/>
+              </a:rPr>
+              <a:t> </a:t>
+            </a:r>
+            <a:r>
+              <a:rPr lang="el-GR" sz="2400" b="1" strike="noStrike" spc="-1" dirty="0" err="1">
+                <a:solidFill>
+                  <a:srgbClr val="FFFFFF"/>
+                </a:solidFill>
+                <a:uFill>
+                  <a:solidFill>
+                    <a:srgbClr val="FFFFFF"/>
+                  </a:solidFill>
+                </a:uFill>
+                <a:latin typeface="Century Gothic"/>
+              </a:rPr>
+              <a:t>access</a:t>
+            </a:r>
+            <a:r>
+              <a:rPr lang="el-GR" sz="2400" b="1" strike="noStrike" spc="-1" dirty="0">
+                <a:solidFill>
+                  <a:srgbClr val="FFFFFF"/>
+                </a:solidFill>
+                <a:uFill>
+                  <a:solidFill>
+                    <a:srgbClr val="FFFFFF"/>
+                  </a:solidFill>
+                </a:uFill>
+                <a:latin typeface="Century Gothic"/>
+              </a:rPr>
+              <a:t> </a:t>
+            </a:r>
+            <a:r>
+              <a:rPr lang="el-GR" sz="2400" b="1" strike="noStrike" spc="-1" dirty="0" err="1">
+                <a:solidFill>
+                  <a:srgbClr val="FFFFFF"/>
+                </a:solidFill>
+                <a:uFill>
+                  <a:solidFill>
+                    <a:srgbClr val="FFFFFF"/>
+                  </a:solidFill>
+                </a:uFill>
+                <a:latin typeface="Century Gothic"/>
+              </a:rPr>
+              <a:t>to</a:t>
+            </a:r>
+            <a:r>
+              <a:rPr lang="el-GR" sz="2400" b="1" strike="noStrike" spc="-1" dirty="0">
+                <a:solidFill>
+                  <a:srgbClr val="FFFFFF"/>
+                </a:solidFill>
+                <a:uFill>
+                  <a:solidFill>
+                    <a:srgbClr val="FFFFFF"/>
+                  </a:solidFill>
+                </a:uFill>
+                <a:latin typeface="Century Gothic"/>
+              </a:rPr>
+              <a:t> a </a:t>
+            </a:r>
+            <a:r>
+              <a:rPr lang="el-GR" sz="2400" b="1" strike="noStrike" spc="-1" dirty="0" err="1">
+                <a:solidFill>
+                  <a:srgbClr val="FFFFFF"/>
+                </a:solidFill>
+                <a:uFill>
+                  <a:solidFill>
+                    <a:srgbClr val="FFFFFF"/>
+                  </a:solidFill>
+                </a:uFill>
+                <a:latin typeface="Century Gothic"/>
+              </a:rPr>
+              <a:t>switch</a:t>
+            </a:r>
+            <a:r>
+              <a:rPr lang="el-GR" sz="2400" b="1" strike="noStrike" spc="-1" dirty="0">
+                <a:solidFill>
+                  <a:srgbClr val="FFFFFF"/>
+                </a:solidFill>
+                <a:uFill>
+                  <a:solidFill>
+                    <a:srgbClr val="FFFFFF"/>
+                  </a:solidFill>
+                </a:uFill>
+                <a:latin typeface="Century Gothic"/>
+              </a:rPr>
+              <a:t>.</a:t>
+            </a:r>
+            <a:endParaRPr lang="el-GR" sz="1800" b="0" strike="noStrike" spc="-1" dirty="0">
               <a:solidFill>
                 <a:srgbClr val="000000"/>
               </a:solidFill>
@@ -9000,6 +10264,750 @@
         </p:spPr>
       </p:pic>
     </p:spTree>
+  </p:cSld>
+  <p:clrMapOvr>
+    <a:masterClrMapping/>
+  </p:clrMapOvr>
+  <p:timing>
+    <p:tnLst>
+      <p:par>
+        <p:cTn id="1" dur="indefinite" restart="never" nodeType="tmRoot">
+          <p:childTnLst>
+            <p:seq>
+              <p:cTn id="2" nodeType="mainSeq"/>
+              <p:prevCondLst>
+                <p:cond evt="onPrev" delay="0">
+                  <p:tgtEl>
+                    <p:sldTgt/>
+                  </p:tgtEl>
+                </p:cond>
+              </p:prevCondLst>
+              <p:nextCondLst>
+                <p:cond evt="onNext" delay="0">
+                  <p:tgtEl>
+                    <p:sldTgt/>
+                  </p:tgtEl>
+                </p:cond>
+              </p:nextCondLst>
+            </p:seq>
+          </p:childTnLst>
+        </p:cTn>
+      </p:par>
+    </p:tnLst>
+  </p:timing>
+</p:sld>
+</file>
+
+<file path=ppt/slides/slide14.xml><?xml version="1.0" encoding="utf-8"?>
+<p:sld xmlns:a="http://schemas.openxmlformats.org/drawingml/2006/main" xmlns:r="http://schemas.openxmlformats.org/officeDocument/2006/relationships" xmlns:p="http://schemas.openxmlformats.org/presentationml/2006/main">
+  <p:cSld>
+    <p:spTree>
+      <p:nvGrpSpPr>
+        <p:cNvPr id="1" name=""/>
+        <p:cNvGrpSpPr/>
+        <p:nvPr/>
+      </p:nvGrpSpPr>
+      <p:grpSpPr>
+        <a:xfrm>
+          <a:off x="0" y="0"/>
+          <a:ext cx="0" cy="0"/>
+          <a:chOff x="0" y="0"/>
+          <a:chExt cx="0" cy="0"/>
+        </a:xfrm>
+      </p:grpSpPr>
+      <p:sp>
+        <p:nvSpPr>
+          <p:cNvPr id="181" name="CustomShape 1"/>
+          <p:cNvSpPr/>
+          <p:nvPr/>
+        </p:nvSpPr>
+        <p:spPr>
+          <a:xfrm>
+            <a:off x="646200" y="452880"/>
+            <a:ext cx="9403920" cy="693720"/>
+          </a:xfrm>
+          <a:prstGeom prst="rect">
+            <a:avLst/>
+          </a:prstGeom>
+          <a:noFill/>
+          <a:ln>
+            <a:noFill/>
+          </a:ln>
+        </p:spPr>
+        <p:style>
+          <a:lnRef idx="0">
+            <a:scrgbClr r="0" g="0" b="0"/>
+          </a:lnRef>
+          <a:fillRef idx="0">
+            <a:scrgbClr r="0" g="0" b="0"/>
+          </a:fillRef>
+          <a:effectRef idx="0">
+            <a:scrgbClr r="0" g="0" b="0"/>
+          </a:effectRef>
+          <a:fontRef idx="minor"/>
+        </p:style>
+        <p:txBody>
+          <a:bodyPr lIns="90000" tIns="45000" rIns="90000" bIns="45000"/>
+          <a:lstStyle/>
+          <a:p>
+            <a:pPr>
+              <a:lnSpc>
+                <a:spcPct val="100000"/>
+              </a:lnSpc>
+            </a:pPr>
+            <a:r>
+              <a:rPr lang="en-US" sz="4200" spc="-1" dirty="0" smtClean="0">
+                <a:solidFill>
+                  <a:srgbClr val="EBEBEB"/>
+                </a:solidFill>
+                <a:uFill>
+                  <a:solidFill>
+                    <a:srgbClr val="FFFFFF"/>
+                  </a:solidFill>
+                </a:uFill>
+                <a:latin typeface="Century Gothic"/>
+              </a:rPr>
+              <a:t>Banner </a:t>
+            </a:r>
+            <a:r>
+              <a:rPr lang="en-US" sz="4200" spc="-1" dirty="0" err="1" smtClean="0">
+                <a:solidFill>
+                  <a:srgbClr val="EBEBEB"/>
+                </a:solidFill>
+                <a:uFill>
+                  <a:solidFill>
+                    <a:srgbClr val="FFFFFF"/>
+                  </a:solidFill>
+                </a:uFill>
+                <a:latin typeface="Century Gothic"/>
+              </a:rPr>
+              <a:t>motd</a:t>
+            </a:r>
+            <a:endParaRPr lang="el-GR" sz="1800" b="0" strike="noStrike" spc="-1" dirty="0">
+              <a:solidFill>
+                <a:srgbClr val="000000"/>
+              </a:solidFill>
+              <a:uFill>
+                <a:solidFill>
+                  <a:srgbClr val="FFFFFF"/>
+                </a:solidFill>
+              </a:uFill>
+              <a:latin typeface="Arial"/>
+            </a:endParaRPr>
+          </a:p>
+        </p:txBody>
+      </p:sp>
+      <p:sp>
+        <p:nvSpPr>
+          <p:cNvPr id="182" name="CustomShape 2"/>
+          <p:cNvSpPr/>
+          <p:nvPr/>
+        </p:nvSpPr>
+        <p:spPr>
+          <a:xfrm>
+            <a:off x="433440" y="1146960"/>
+            <a:ext cx="11221560" cy="5319360"/>
+          </a:xfrm>
+          <a:prstGeom prst="rect">
+            <a:avLst/>
+          </a:prstGeom>
+          <a:noFill/>
+          <a:ln>
+            <a:noFill/>
+          </a:ln>
+        </p:spPr>
+        <p:style>
+          <a:lnRef idx="0">
+            <a:scrgbClr r="0" g="0" b="0"/>
+          </a:lnRef>
+          <a:fillRef idx="0">
+            <a:scrgbClr r="0" g="0" b="0"/>
+          </a:fillRef>
+          <a:effectRef idx="0">
+            <a:scrgbClr r="0" g="0" b="0"/>
+          </a:effectRef>
+          <a:fontRef idx="minor"/>
+        </p:style>
+      </p:sp>
+      <p:sp>
+        <p:nvSpPr>
+          <p:cNvPr id="183" name="CustomShape 3"/>
+          <p:cNvSpPr/>
+          <p:nvPr/>
+        </p:nvSpPr>
+        <p:spPr>
+          <a:xfrm>
+            <a:off x="10320840" y="601200"/>
+            <a:ext cx="942840" cy="394920"/>
+          </a:xfrm>
+          <a:prstGeom prst="rect">
+            <a:avLst/>
+          </a:prstGeom>
+          <a:noFill/>
+          <a:ln>
+            <a:noFill/>
+          </a:ln>
+        </p:spPr>
+        <p:style>
+          <a:lnRef idx="0">
+            <a:scrgbClr r="0" g="0" b="0"/>
+          </a:lnRef>
+          <a:fillRef idx="0">
+            <a:scrgbClr r="0" g="0" b="0"/>
+          </a:fillRef>
+          <a:effectRef idx="0">
+            <a:scrgbClr r="0" g="0" b="0"/>
+          </a:effectRef>
+          <a:fontRef idx="minor"/>
+        </p:style>
+        <p:txBody>
+          <a:bodyPr wrap="none" lIns="90000" tIns="45000" rIns="90000" bIns="45000"/>
+          <a:lstStyle/>
+          <a:p>
+            <a:pPr>
+              <a:lnSpc>
+                <a:spcPct val="100000"/>
+              </a:lnSpc>
+            </a:pPr>
+            <a:r>
+              <a:rPr lang="el-GR" sz="2000" b="1" strike="noStrike" spc="-1">
+                <a:solidFill>
+                  <a:srgbClr val="FFFFFF"/>
+                </a:solidFill>
+                <a:uFill>
+                  <a:solidFill>
+                    <a:srgbClr val="FFFFFF"/>
+                  </a:solidFill>
+                </a:uFill>
+                <a:latin typeface="Century Gothic"/>
+              </a:rPr>
+              <a:t>ΚΕΦ 2</a:t>
+            </a:r>
+            <a:endParaRPr lang="el-GR" sz="1800" b="0" strike="noStrike" spc="-1">
+              <a:solidFill>
+                <a:srgbClr val="000000"/>
+              </a:solidFill>
+              <a:uFill>
+                <a:solidFill>
+                  <a:srgbClr val="FFFFFF"/>
+                </a:solidFill>
+              </a:uFill>
+              <a:latin typeface="Arial"/>
+            </a:endParaRPr>
+          </a:p>
+        </p:txBody>
+      </p:sp>
+      <p:sp>
+        <p:nvSpPr>
+          <p:cNvPr id="8" name="CustomShape 2"/>
+          <p:cNvSpPr/>
+          <p:nvPr/>
+        </p:nvSpPr>
+        <p:spPr>
+          <a:xfrm>
+            <a:off x="585840" y="1299360"/>
+            <a:ext cx="11221560" cy="5319360"/>
+          </a:xfrm>
+          <a:prstGeom prst="rect">
+            <a:avLst/>
+          </a:prstGeom>
+          <a:noFill/>
+          <a:ln>
+            <a:noFill/>
+          </a:ln>
+        </p:spPr>
+        <p:style>
+          <a:lnRef idx="0">
+            <a:scrgbClr r="0" g="0" b="0"/>
+          </a:lnRef>
+          <a:fillRef idx="0">
+            <a:scrgbClr r="0" g="0" b="0"/>
+          </a:fillRef>
+          <a:effectRef idx="0">
+            <a:scrgbClr r="0" g="0" b="0"/>
+          </a:effectRef>
+          <a:fontRef idx="minor"/>
+        </p:style>
+        <p:txBody>
+          <a:bodyPr lIns="90000" tIns="45000" rIns="90000" bIns="45000"/>
+          <a:lstStyle/>
+          <a:p>
+            <a:pPr marL="343080" indent="-342360">
+              <a:lnSpc>
+                <a:spcPct val="100000"/>
+              </a:lnSpc>
+              <a:buClr>
+                <a:srgbClr val="8AD0D6"/>
+              </a:buClr>
+              <a:buSzPct val="80000"/>
+              <a:buFont typeface="Wingdings 3" charset="2"/>
+              <a:buChar char=""/>
+            </a:pPr>
+            <a:r>
+              <a:rPr lang="el-GR" sz="2400" spc="-1" dirty="0">
+                <a:solidFill>
+                  <a:srgbClr val="FFFFFF"/>
+                </a:solidFill>
+                <a:uFill>
+                  <a:solidFill>
+                    <a:srgbClr val="FFFFFF"/>
+                  </a:solidFill>
+                </a:uFill>
+              </a:rPr>
+              <a:t>Για να δημιουργήσετε ένα μήνυμα </a:t>
+            </a:r>
+            <a:r>
+              <a:rPr lang="el-GR" sz="2400" spc="-1" dirty="0" err="1">
+                <a:solidFill>
+                  <a:srgbClr val="FFFFFF"/>
+                </a:solidFill>
+                <a:uFill>
+                  <a:solidFill>
+                    <a:srgbClr val="FFFFFF"/>
+                  </a:solidFill>
+                </a:uFill>
+              </a:rPr>
+              <a:t>banner</a:t>
+            </a:r>
+            <a:r>
+              <a:rPr lang="el-GR" sz="2400" spc="-1" dirty="0">
+                <a:solidFill>
+                  <a:srgbClr val="FFFFFF"/>
+                </a:solidFill>
+                <a:uFill>
+                  <a:solidFill>
+                    <a:srgbClr val="FFFFFF"/>
+                  </a:solidFill>
+                </a:uFill>
+              </a:rPr>
+              <a:t> της ημέρας σε μια συσκευή δικτύου, χρησιμοποιήστε την εντολή </a:t>
+            </a:r>
+            <a:r>
+              <a:rPr lang="el-GR" sz="2400" b="1" spc="-1" dirty="0" err="1">
+                <a:solidFill>
+                  <a:srgbClr val="FFFFFF"/>
+                </a:solidFill>
+                <a:uFill>
+                  <a:solidFill>
+                    <a:srgbClr val="FFFFFF"/>
+                  </a:solidFill>
+                </a:uFill>
+              </a:rPr>
+              <a:t>banner</a:t>
+            </a:r>
+            <a:r>
+              <a:rPr lang="el-GR" sz="2400" b="1" spc="-1" dirty="0">
+                <a:solidFill>
+                  <a:srgbClr val="FFFFFF"/>
+                </a:solidFill>
+                <a:uFill>
+                  <a:solidFill>
+                    <a:srgbClr val="FFFFFF"/>
+                  </a:solidFill>
+                </a:uFill>
+              </a:rPr>
+              <a:t> </a:t>
+            </a:r>
+            <a:r>
+              <a:rPr lang="el-GR" sz="2400" b="1" spc="-1" dirty="0" err="1">
+                <a:solidFill>
+                  <a:srgbClr val="FFFFFF"/>
+                </a:solidFill>
+                <a:uFill>
+                  <a:solidFill>
+                    <a:srgbClr val="FFFFFF"/>
+                  </a:solidFill>
+                </a:uFill>
+              </a:rPr>
+              <a:t>motd</a:t>
+            </a:r>
+            <a:r>
+              <a:rPr lang="el-GR" sz="2400" b="1" spc="-1" dirty="0">
+                <a:solidFill>
+                  <a:srgbClr val="FFFFFF"/>
+                </a:solidFill>
+                <a:uFill>
+                  <a:solidFill>
+                    <a:srgbClr val="FFFFFF"/>
+                  </a:solidFill>
+                </a:uFill>
+              </a:rPr>
+              <a:t> # το μήνυμα της ημέρας </a:t>
+            </a:r>
+            <a:r>
+              <a:rPr lang="el-GR" sz="2400" b="1" spc="-1" dirty="0" smtClean="0">
+                <a:solidFill>
+                  <a:srgbClr val="FFFFFF"/>
+                </a:solidFill>
+                <a:uFill>
+                  <a:solidFill>
+                    <a:srgbClr val="FFFFFF"/>
+                  </a:solidFill>
+                </a:uFill>
+              </a:rPr>
+              <a:t>#</a:t>
+            </a:r>
+            <a:endParaRPr lang="en-US" sz="2400" b="1" spc="-1" dirty="0" smtClean="0">
+              <a:solidFill>
+                <a:srgbClr val="FFFFFF"/>
+              </a:solidFill>
+              <a:uFill>
+                <a:solidFill>
+                  <a:srgbClr val="FFFFFF"/>
+                </a:solidFill>
+              </a:uFill>
+            </a:endParaRPr>
+          </a:p>
+          <a:p>
+            <a:pPr marL="343080" indent="-342360">
+              <a:lnSpc>
+                <a:spcPct val="100000"/>
+              </a:lnSpc>
+              <a:buClr>
+                <a:srgbClr val="8AD0D6"/>
+              </a:buClr>
+              <a:buSzPct val="80000"/>
+              <a:buFont typeface="Wingdings 3" charset="2"/>
+              <a:buChar char=""/>
+            </a:pPr>
+            <a:r>
+              <a:rPr lang="el-GR" sz="2400" spc="-1" dirty="0">
+                <a:solidFill>
+                  <a:srgbClr val="FFFFFF"/>
+                </a:solidFill>
+                <a:uFill>
+                  <a:solidFill>
+                    <a:srgbClr val="FFFFFF"/>
+                  </a:solidFill>
+                </a:uFill>
+              </a:rPr>
+              <a:t>Το "#" στη σύνταξη της εντολής ονομάζεται </a:t>
+            </a:r>
+            <a:r>
+              <a:rPr lang="el-GR" sz="2400" spc="-1" dirty="0" err="1">
+                <a:solidFill>
+                  <a:srgbClr val="FFFFFF"/>
+                </a:solidFill>
+                <a:uFill>
+                  <a:solidFill>
+                    <a:srgbClr val="FFFFFF"/>
+                  </a:solidFill>
+                </a:uFill>
+              </a:rPr>
+              <a:t>οριοθετικός</a:t>
+            </a:r>
+            <a:r>
+              <a:rPr lang="el-GR" sz="2400" spc="-1" dirty="0">
+                <a:solidFill>
+                  <a:srgbClr val="FFFFFF"/>
+                </a:solidFill>
+                <a:uFill>
+                  <a:solidFill>
+                    <a:srgbClr val="FFFFFF"/>
+                  </a:solidFill>
+                </a:uFill>
+              </a:rPr>
+              <a:t> χαρακτήρας. Εισάγεται πριν και μετά το μήνυμα. Ο χαρακτήρας οριοθέτησης μπορεί να είναι οποιοσδήποτε χαρακτήρας, εφόσον δεν εμφανίζεται στο μήνυμα</a:t>
+            </a:r>
+            <a:r>
+              <a:rPr lang="el-GR" sz="2400" spc="-1" dirty="0" smtClean="0">
+                <a:solidFill>
+                  <a:srgbClr val="FFFFFF"/>
+                </a:solidFill>
+                <a:uFill>
+                  <a:solidFill>
+                    <a:srgbClr val="FFFFFF"/>
+                  </a:solidFill>
+                </a:uFill>
+              </a:rPr>
+              <a:t>.</a:t>
+            </a:r>
+            <a:endParaRPr lang="en-US" sz="2400" spc="-1" dirty="0" smtClean="0">
+              <a:solidFill>
+                <a:srgbClr val="FFFFFF"/>
+              </a:solidFill>
+              <a:uFill>
+                <a:solidFill>
+                  <a:srgbClr val="FFFFFF"/>
+                </a:solidFill>
+              </a:uFill>
+            </a:endParaRPr>
+          </a:p>
+          <a:p>
+            <a:pPr marL="343080" indent="-342360">
+              <a:lnSpc>
+                <a:spcPct val="100000"/>
+              </a:lnSpc>
+              <a:buClr>
+                <a:srgbClr val="8AD0D6"/>
+              </a:buClr>
+              <a:buSzPct val="80000"/>
+              <a:buFont typeface="Wingdings 3" charset="2"/>
+              <a:buChar char=""/>
+            </a:pPr>
+            <a:r>
+              <a:rPr lang="el-GR" sz="2400" spc="-1" dirty="0">
+                <a:solidFill>
+                  <a:srgbClr val="FFFFFF"/>
+                </a:solidFill>
+                <a:uFill>
+                  <a:solidFill>
+                    <a:srgbClr val="FFFFFF"/>
+                  </a:solidFill>
+                </a:uFill>
+              </a:rPr>
+              <a:t>Το ακριβές περιεχόμενο ή διατύπωση ενός </a:t>
+            </a:r>
+            <a:r>
+              <a:rPr lang="el-GR" sz="2400" spc="-1" dirty="0" err="1">
+                <a:solidFill>
+                  <a:srgbClr val="FFFFFF"/>
+                </a:solidFill>
+                <a:uFill>
+                  <a:solidFill>
+                    <a:srgbClr val="FFFFFF"/>
+                  </a:solidFill>
+                </a:uFill>
+              </a:rPr>
+              <a:t>banner</a:t>
+            </a:r>
+            <a:r>
+              <a:rPr lang="el-GR" sz="2400" spc="-1" dirty="0">
+                <a:solidFill>
+                  <a:srgbClr val="FFFFFF"/>
+                </a:solidFill>
+                <a:uFill>
+                  <a:solidFill>
+                    <a:srgbClr val="FFFFFF"/>
+                  </a:solidFill>
+                </a:uFill>
+              </a:rPr>
+              <a:t> εξαρτάται από τους τοπικούς νόμους και τις εταιρικές πολιτικές</a:t>
+            </a:r>
+            <a:r>
+              <a:rPr lang="el-GR" sz="2400" spc="-1" dirty="0" smtClean="0">
+                <a:solidFill>
+                  <a:srgbClr val="FFFFFF"/>
+                </a:solidFill>
+                <a:uFill>
+                  <a:solidFill>
+                    <a:srgbClr val="FFFFFF"/>
+                  </a:solidFill>
+                </a:uFill>
+              </a:rPr>
+              <a:t>.</a:t>
+            </a:r>
+            <a:endParaRPr lang="en-US" sz="2400" spc="-1" dirty="0" smtClean="0">
+              <a:solidFill>
+                <a:srgbClr val="FFFFFF"/>
+              </a:solidFill>
+              <a:uFill>
+                <a:solidFill>
+                  <a:srgbClr val="FFFFFF"/>
+                </a:solidFill>
+              </a:uFill>
+            </a:endParaRPr>
+          </a:p>
+          <a:p>
+            <a:pPr marL="343080" indent="-342360">
+              <a:lnSpc>
+                <a:spcPct val="100000"/>
+              </a:lnSpc>
+              <a:buClr>
+                <a:srgbClr val="8AD0D6"/>
+              </a:buClr>
+              <a:buSzPct val="80000"/>
+              <a:buFont typeface="Wingdings 3" charset="2"/>
+              <a:buChar char=""/>
+            </a:pPr>
+            <a:r>
+              <a:rPr lang="el-GR" sz="2400" spc="-1" dirty="0" smtClean="0">
+                <a:solidFill>
+                  <a:srgbClr val="FFFFFF"/>
+                </a:solidFill>
+                <a:uFill>
+                  <a:solidFill>
+                    <a:srgbClr val="FFFFFF"/>
+                  </a:solidFill>
+                </a:uFill>
+              </a:rPr>
+              <a:t>Το </a:t>
+            </a:r>
+            <a:r>
+              <a:rPr lang="el-GR" sz="2400" spc="-1" dirty="0" err="1">
+                <a:solidFill>
+                  <a:srgbClr val="FFFFFF"/>
+                </a:solidFill>
+                <a:uFill>
+                  <a:solidFill>
+                    <a:srgbClr val="FFFFFF"/>
+                  </a:solidFill>
+                </a:uFill>
+              </a:rPr>
+              <a:t>banner</a:t>
+            </a:r>
+            <a:r>
+              <a:rPr lang="el-GR" sz="2400" spc="-1" dirty="0" smtClean="0">
+                <a:solidFill>
+                  <a:srgbClr val="FFFFFF"/>
+                </a:solidFill>
+                <a:uFill>
+                  <a:solidFill>
+                    <a:srgbClr val="FFFFFF"/>
+                  </a:solidFill>
+                </a:uFill>
+              </a:rPr>
+              <a:t> </a:t>
+            </a:r>
+            <a:r>
+              <a:rPr lang="el-GR" sz="2400" spc="-1" dirty="0">
+                <a:solidFill>
+                  <a:srgbClr val="FFFFFF"/>
+                </a:solidFill>
+                <a:uFill>
+                  <a:solidFill>
+                    <a:srgbClr val="FFFFFF"/>
+                  </a:solidFill>
+                </a:uFill>
+              </a:rPr>
+              <a:t>θα πρέπει να δηλώνει ότι επιτρέπεται η πρόσβαση στη συσκευή μόνο εξουσιοδοτημένο προσωπικό. </a:t>
+            </a:r>
+            <a:endParaRPr lang="en-US" sz="2400" spc="-1" dirty="0" smtClean="0">
+              <a:solidFill>
+                <a:srgbClr val="FFFFFF"/>
+              </a:solidFill>
+              <a:uFill>
+                <a:solidFill>
+                  <a:srgbClr val="FFFFFF"/>
+                </a:solidFill>
+              </a:uFill>
+            </a:endParaRPr>
+          </a:p>
+          <a:p>
+            <a:pPr marL="343080" indent="-342360">
+              <a:lnSpc>
+                <a:spcPct val="100000"/>
+              </a:lnSpc>
+              <a:buClr>
+                <a:srgbClr val="8AD0D6"/>
+              </a:buClr>
+              <a:buSzPct val="80000"/>
+              <a:buFont typeface="Wingdings 3" charset="2"/>
+              <a:buChar char=""/>
+            </a:pPr>
+            <a:r>
+              <a:rPr lang="el-GR" sz="2400" spc="-1" dirty="0" smtClean="0">
+                <a:solidFill>
+                  <a:srgbClr val="FFFFFF"/>
+                </a:solidFill>
+                <a:uFill>
+                  <a:solidFill>
+                    <a:srgbClr val="FFFFFF"/>
+                  </a:solidFill>
+                </a:uFill>
+              </a:rPr>
+              <a:t>Οποιαδήποτε </a:t>
+            </a:r>
+            <a:r>
+              <a:rPr lang="el-GR" sz="2400" spc="-1" dirty="0">
+                <a:solidFill>
+                  <a:srgbClr val="FFFFFF"/>
+                </a:solidFill>
+                <a:uFill>
+                  <a:solidFill>
+                    <a:srgbClr val="FFFFFF"/>
+                  </a:solidFill>
+                </a:uFill>
+              </a:rPr>
+              <a:t>διατύπωση που </a:t>
+            </a:r>
+            <a:r>
+              <a:rPr lang="el-GR" sz="2400" spc="-1" dirty="0" smtClean="0">
+                <a:solidFill>
+                  <a:srgbClr val="FFFFFF"/>
+                </a:solidFill>
+                <a:uFill>
+                  <a:solidFill>
+                    <a:srgbClr val="FFFFFF"/>
+                  </a:solidFill>
+                </a:uFill>
+              </a:rPr>
+              <a:t>υποδηλώνει</a:t>
+            </a:r>
+            <a:r>
+              <a:rPr lang="en-US" sz="2400" spc="-1" dirty="0" smtClean="0">
+                <a:solidFill>
+                  <a:srgbClr val="FFFFFF"/>
+                </a:solidFill>
+                <a:uFill>
+                  <a:solidFill>
+                    <a:srgbClr val="FFFFFF"/>
+                  </a:solidFill>
+                </a:uFill>
+              </a:rPr>
+              <a:t> </a:t>
+            </a:r>
+            <a:r>
+              <a:rPr lang="el-GR" sz="2400" spc="-1" dirty="0" smtClean="0">
+                <a:solidFill>
+                  <a:srgbClr val="FFFFFF"/>
+                </a:solidFill>
+                <a:uFill>
+                  <a:solidFill>
+                    <a:srgbClr val="FFFFFF"/>
+                  </a:solidFill>
+                </a:uFill>
+              </a:rPr>
+              <a:t>ότι η  </a:t>
+            </a:r>
+            <a:r>
+              <a:rPr lang="el-GR" sz="2400" spc="-1" dirty="0">
+                <a:solidFill>
+                  <a:srgbClr val="FFFFFF"/>
+                </a:solidFill>
+                <a:uFill>
+                  <a:solidFill>
+                    <a:srgbClr val="FFFFFF"/>
+                  </a:solidFill>
+                </a:uFill>
+              </a:rPr>
+              <a:t>σύνδεση είναι "ευπρόσδεκτη" </a:t>
+            </a:r>
+            <a:r>
+              <a:rPr lang="el-GR" sz="2400" spc="-1" dirty="0" smtClean="0">
+                <a:solidFill>
+                  <a:srgbClr val="FFFFFF"/>
+                </a:solidFill>
+                <a:uFill>
+                  <a:solidFill>
+                    <a:srgbClr val="FFFFFF"/>
+                  </a:solidFill>
+                </a:uFill>
+              </a:rPr>
+              <a:t>είναι </a:t>
+            </a:r>
+            <a:r>
+              <a:rPr lang="el-GR" sz="2400" spc="-1" dirty="0">
+                <a:solidFill>
+                  <a:srgbClr val="FFFFFF"/>
+                </a:solidFill>
+                <a:uFill>
+                  <a:solidFill>
+                    <a:srgbClr val="FFFFFF"/>
+                  </a:solidFill>
+                </a:uFill>
+              </a:rPr>
+              <a:t>ακατάλληλη.</a:t>
+            </a:r>
+          </a:p>
+        </p:txBody>
+      </p:sp>
+    </p:spTree>
+    <p:extLst>
+      <p:ext uri="{BB962C8B-B14F-4D97-AF65-F5344CB8AC3E}">
+        <p14:creationId xmlns:p14="http://schemas.microsoft.com/office/powerpoint/2010/main" xmlns="" val="2474492350"/>
+      </p:ext>
+    </p:extLst>
   </p:cSld>
   <p:clrMapOvr>
     <a:masterClrMapping/>
@@ -12951,7 +14959,7 @@
     </a:clrScheme>
     <a:fontScheme name="Ιόν">
       <a:majorFont>
-        <a:latin typeface="Century Gothic" panose="020B0502020202020204"/>
+        <a:latin typeface="Century Gothic"/>
         <a:ea typeface=""/>
         <a:cs typeface=""/>
         <a:font script="Jpan" typeface="メイリオ"/>
@@ -12986,7 +14994,7 @@
         <a:font script="Geor" typeface="Sylfaen"/>
       </a:majorFont>
       <a:minorFont>
-        <a:latin typeface="Century Gothic" panose="020B0502020202020204"/>
+        <a:latin typeface="Century Gothic"/>
         <a:ea typeface=""/>
         <a:cs typeface=""/>
         <a:font script="Jpan" typeface="メイリオ"/>
@@ -13168,7 +15176,7 @@
   <a:extraClrSchemeLst/>
   <a:extLst>
     <a:ext uri="{05A4C25C-085E-4340-85A3-A5531E510DB2}">
-      <thm15:themeFamily xmlns:thm15="http://schemas.microsoft.com/office/thememl/2012/main" name="Ion" id="{B8441ADB-2E43-4AF7-B97A-BD870242C6A8}" vid="{292E63A9-BB86-4E3D-B92A-7223C6510D2E}"/>
+      <thm15:themeFamily xmlns:thm15="http://schemas.microsoft.com/office/thememl/2012/main" xmlns="" name="Ion" id="{B8441ADB-2E43-4AF7-B97A-BD870242C6A8}" vid="{292E63A9-BB86-4E3D-B92A-7223C6510D2E}"/>
     </a:ext>
   </a:extLst>
 </a:theme>
